--- a/presentasi.pptx
+++ b/presentasi.pptx
@@ -3,19 +3,24 @@
 <p:presentation xmlns:a="http://schemas.openxmlformats.org/drawingml/2006/main" xmlns:p="http://schemas.openxmlformats.org/presentationml/2006/main" xmlns:r="http://schemas.openxmlformats.org/officeDocument/2006/relationships" xmlns:p14="http://schemas.microsoft.com/office/powerpoint/2010/main" xmlns:p15="http://schemas.microsoft.com/office/powerpoint/2012/main" xmlns:mc="http://schemas.openxmlformats.org/markup-compatibility/2006">
   <p:sldMasterIdLst>
     <p:sldMasterId id="2147483648" r:id="rId2"/>
+    <p:sldMasterId id="2147483661" r:id="rId3"/>
   </p:sldMasterIdLst>
   <p:sldIdLst>
-    <p:sldId id="256" r:id="rId3"/>
-    <p:sldId id="257" r:id="rId4"/>
-    <p:sldId id="258" r:id="rId5"/>
-    <p:sldId id="259" r:id="rId6"/>
-    <p:sldId id="260" r:id="rId7"/>
-    <p:sldId id="261" r:id="rId8"/>
-    <p:sldId id="262" r:id="rId9"/>
-    <p:sldId id="263" r:id="rId10"/>
-    <p:sldId id="264" r:id="rId11"/>
-    <p:sldId id="265" r:id="rId12"/>
-    <p:sldId id="266" r:id="rId13"/>
+    <p:sldId id="256" r:id="rId4"/>
+    <p:sldId id="257" r:id="rId5"/>
+    <p:sldId id="258" r:id="rId6"/>
+    <p:sldId id="259" r:id="rId7"/>
+    <p:sldId id="260" r:id="rId8"/>
+    <p:sldId id="261" r:id="rId9"/>
+    <p:sldId id="262" r:id="rId10"/>
+    <p:sldId id="263" r:id="rId11"/>
+    <p:sldId id="264" r:id="rId12"/>
+    <p:sldId id="265" r:id="rId13"/>
+    <p:sldId id="266" r:id="rId14"/>
+    <p:sldId id="267" r:id="rId15"/>
+    <p:sldId id="268" r:id="rId16"/>
+    <p:sldId id="269" r:id="rId17"/>
+    <p:sldId id="270" r:id="rId18"/>
   </p:sldIdLst>
   <p:sldSz cx="10080625" cy="5670550"/>
   <p:notesSz cx="7559675" cy="10691812"/>
@@ -63,7 +68,7 @@
       </p:grpSpPr>
       <p:sp>
         <p:nvSpPr>
-          <p:cNvPr id="26" name="PlaceHolder 1"/>
+          <p:cNvPr id="23" name="PlaceHolder 1"/>
           <p:cNvSpPr>
             <a:spLocks noGrp="1"/>
           </p:cNvSpPr>
@@ -74,7 +79,7 @@
         <p:spPr>
           <a:xfrm>
             <a:off x="504000" y="226080"/>
-            <a:ext cx="9071640" cy="946440"/>
+            <a:ext cx="9071280" cy="946080"/>
           </a:xfrm>
           <a:prstGeom prst="rect">
             <a:avLst/>
@@ -94,7 +99,7 @@
       </p:sp>
       <p:sp>
         <p:nvSpPr>
-          <p:cNvPr id="27" name="PlaceHolder 2"/>
+          <p:cNvPr id="24" name="PlaceHolder 2"/>
           <p:cNvSpPr>
             <a:spLocks noGrp="1"/>
           </p:cNvSpPr>
@@ -105,7 +110,7 @@
         <p:spPr>
           <a:xfrm>
             <a:off x="504000" y="1326600"/>
-            <a:ext cx="9071640" cy="1568160"/>
+            <a:ext cx="9071280" cy="1568160"/>
           </a:xfrm>
           <a:prstGeom prst="rect">
             <a:avLst/>
@@ -124,7 +129,7 @@
       </p:sp>
       <p:sp>
         <p:nvSpPr>
-          <p:cNvPr id="28" name="PlaceHolder 3"/>
+          <p:cNvPr id="25" name="PlaceHolder 3"/>
           <p:cNvSpPr>
             <a:spLocks noGrp="1"/>
           </p:cNvSpPr>
@@ -135,7 +140,7 @@
         <p:spPr>
           <a:xfrm>
             <a:off x="504000" y="3044160"/>
-            <a:ext cx="9071640" cy="1568160"/>
+            <a:ext cx="9071280" cy="1568160"/>
           </a:xfrm>
           <a:prstGeom prst="rect">
             <a:avLst/>
@@ -176,7 +181,7 @@
       </p:grpSpPr>
       <p:sp>
         <p:nvSpPr>
-          <p:cNvPr id="29" name="PlaceHolder 1"/>
+          <p:cNvPr id="26" name="PlaceHolder 1"/>
           <p:cNvSpPr>
             <a:spLocks noGrp="1"/>
           </p:cNvSpPr>
@@ -187,7 +192,7 @@
         <p:spPr>
           <a:xfrm>
             <a:off x="504000" y="226080"/>
-            <a:ext cx="9071640" cy="946440"/>
+            <a:ext cx="9071280" cy="946080"/>
           </a:xfrm>
           <a:prstGeom prst="rect">
             <a:avLst/>
@@ -207,7 +212,7 @@
       </p:sp>
       <p:sp>
         <p:nvSpPr>
-          <p:cNvPr id="30" name="PlaceHolder 2"/>
+          <p:cNvPr id="27" name="PlaceHolder 2"/>
           <p:cNvSpPr>
             <a:spLocks noGrp="1"/>
           </p:cNvSpPr>
@@ -218,7 +223,7 @@
         <p:spPr>
           <a:xfrm>
             <a:off x="504000" y="1326600"/>
-            <a:ext cx="4426920" cy="1568160"/>
+            <a:ext cx="4426560" cy="1568160"/>
           </a:xfrm>
           <a:prstGeom prst="rect">
             <a:avLst/>
@@ -237,7 +242,7 @@
       </p:sp>
       <p:sp>
         <p:nvSpPr>
-          <p:cNvPr id="31" name="PlaceHolder 3"/>
+          <p:cNvPr id="28" name="PlaceHolder 3"/>
           <p:cNvSpPr>
             <a:spLocks noGrp="1"/>
           </p:cNvSpPr>
@@ -247,8 +252,8 @@
         </p:nvSpPr>
         <p:spPr>
           <a:xfrm>
-            <a:off x="5152680" y="1326600"/>
-            <a:ext cx="4426920" cy="1568160"/>
+            <a:off x="5152320" y="1326600"/>
+            <a:ext cx="4426560" cy="1568160"/>
           </a:xfrm>
           <a:prstGeom prst="rect">
             <a:avLst/>
@@ -267,7 +272,7 @@
       </p:sp>
       <p:sp>
         <p:nvSpPr>
-          <p:cNvPr id="32" name="PlaceHolder 4"/>
+          <p:cNvPr id="29" name="PlaceHolder 4"/>
           <p:cNvSpPr>
             <a:spLocks noGrp="1"/>
           </p:cNvSpPr>
@@ -278,7 +283,7 @@
         <p:spPr>
           <a:xfrm>
             <a:off x="504000" y="3044160"/>
-            <a:ext cx="4426920" cy="1568160"/>
+            <a:ext cx="4426560" cy="1568160"/>
           </a:xfrm>
           <a:prstGeom prst="rect">
             <a:avLst/>
@@ -297,7 +302,7 @@
       </p:sp>
       <p:sp>
         <p:nvSpPr>
-          <p:cNvPr id="33" name="PlaceHolder 5"/>
+          <p:cNvPr id="30" name="PlaceHolder 5"/>
           <p:cNvSpPr>
             <a:spLocks noGrp="1"/>
           </p:cNvSpPr>
@@ -307,8 +312,8 @@
         </p:nvSpPr>
         <p:spPr>
           <a:xfrm>
-            <a:off x="5152680" y="3044160"/>
-            <a:ext cx="4426920" cy="1568160"/>
+            <a:off x="5152320" y="3044160"/>
+            <a:ext cx="4426560" cy="1568160"/>
           </a:xfrm>
           <a:prstGeom prst="rect">
             <a:avLst/>
@@ -349,7 +354,7 @@
       </p:grpSpPr>
       <p:sp>
         <p:nvSpPr>
-          <p:cNvPr id="34" name="PlaceHolder 1"/>
+          <p:cNvPr id="31" name="PlaceHolder 1"/>
           <p:cNvSpPr>
             <a:spLocks noGrp="1"/>
           </p:cNvSpPr>
@@ -360,7 +365,7 @@
         <p:spPr>
           <a:xfrm>
             <a:off x="504000" y="226080"/>
-            <a:ext cx="9071640" cy="946440"/>
+            <a:ext cx="9071280" cy="946080"/>
           </a:xfrm>
           <a:prstGeom prst="rect">
             <a:avLst/>
@@ -380,7 +385,7 @@
       </p:sp>
       <p:sp>
         <p:nvSpPr>
-          <p:cNvPr id="35" name="PlaceHolder 2"/>
+          <p:cNvPr id="32" name="PlaceHolder 2"/>
           <p:cNvSpPr>
             <a:spLocks noGrp="1"/>
           </p:cNvSpPr>
@@ -410,7 +415,7 @@
       </p:sp>
       <p:sp>
         <p:nvSpPr>
-          <p:cNvPr id="36" name="PlaceHolder 3"/>
+          <p:cNvPr id="33" name="PlaceHolder 3"/>
           <p:cNvSpPr>
             <a:spLocks noGrp="1"/>
           </p:cNvSpPr>
@@ -440,7 +445,7 @@
       </p:sp>
       <p:sp>
         <p:nvSpPr>
-          <p:cNvPr id="37" name="PlaceHolder 4"/>
+          <p:cNvPr id="34" name="PlaceHolder 4"/>
           <p:cNvSpPr>
             <a:spLocks noGrp="1"/>
           </p:cNvSpPr>
@@ -470,7 +475,7 @@
       </p:sp>
       <p:sp>
         <p:nvSpPr>
-          <p:cNvPr id="38" name="PlaceHolder 5"/>
+          <p:cNvPr id="35" name="PlaceHolder 5"/>
           <p:cNvSpPr>
             <a:spLocks noGrp="1"/>
           </p:cNvSpPr>
@@ -500,7 +505,7 @@
       </p:sp>
       <p:sp>
         <p:nvSpPr>
-          <p:cNvPr id="39" name="PlaceHolder 6"/>
+          <p:cNvPr id="36" name="PlaceHolder 6"/>
           <p:cNvSpPr>
             <a:spLocks noGrp="1"/>
           </p:cNvSpPr>
@@ -530,7 +535,7 @@
       </p:sp>
       <p:sp>
         <p:nvSpPr>
-          <p:cNvPr id="40" name="PlaceHolder 7"/>
+          <p:cNvPr id="37" name="PlaceHolder 7"/>
           <p:cNvSpPr>
             <a:spLocks noGrp="1"/>
           </p:cNvSpPr>
@@ -542,6 +547,557 @@
           <a:xfrm>
             <a:off x="6638040" y="3044160"/>
             <a:ext cx="2920680" cy="1568160"/>
+          </a:xfrm>
+          <a:prstGeom prst="rect">
+            <a:avLst/>
+          </a:prstGeom>
+        </p:spPr>
+        <p:txBody>
+          <a:bodyPr lIns="0" rIns="0" tIns="0" bIns="0">
+            <a:normAutofit/>
+          </a:bodyPr>
+          <a:p>
+            <a:endParaRPr b="0" lang="en-ID" sz="3200" spc="-1" strike="noStrike">
+              <a:latin typeface="Arial"/>
+            </a:endParaRPr>
+          </a:p>
+        </p:txBody>
+      </p:sp>
+    </p:spTree>
+  </p:cSld>
+</p:sldLayout>
+</file>
+
+<file path=ppt/slideLayouts/slideLayout13.xml><?xml version="1.0" encoding="utf-8"?>
+<p:sldLayout xmlns:a="http://schemas.openxmlformats.org/drawingml/2006/main" xmlns:p="http://schemas.openxmlformats.org/presentationml/2006/main" xmlns:r="http://schemas.openxmlformats.org/officeDocument/2006/relationships" xmlns:p14="http://schemas.microsoft.com/office/powerpoint/2010/main" xmlns:p15="http://schemas.microsoft.com/office/powerpoint/2012/main" xmlns:mc="http://schemas.openxmlformats.org/markup-compatibility/2006" type="blank" preserve="1">
+  <p:cSld name="Blank Slide">
+    <p:spTree>
+      <p:nvGrpSpPr>
+        <p:cNvPr id="1" name=""/>
+        <p:cNvGrpSpPr/>
+        <p:nvPr/>
+      </p:nvGrpSpPr>
+      <p:grpSpPr>
+        <a:xfrm>
+          <a:off x="0" y="0"/>
+          <a:ext cx="0" cy="0"/>
+          <a:chOff x="0" y="0"/>
+          <a:chExt cx="0" cy="0"/>
+        </a:xfrm>
+      </p:grpSpPr>
+    </p:spTree>
+  </p:cSld>
+</p:sldLayout>
+</file>
+
+<file path=ppt/slideLayouts/slideLayout14.xml><?xml version="1.0" encoding="utf-8"?>
+<p:sldLayout xmlns:a="http://schemas.openxmlformats.org/drawingml/2006/main" xmlns:p="http://schemas.openxmlformats.org/presentationml/2006/main" xmlns:r="http://schemas.openxmlformats.org/officeDocument/2006/relationships" xmlns:p14="http://schemas.microsoft.com/office/powerpoint/2010/main" xmlns:p15="http://schemas.microsoft.com/office/powerpoint/2012/main" xmlns:mc="http://schemas.openxmlformats.org/markup-compatibility/2006" type="tx" preserve="1">
+  <p:cSld name="Title Slide">
+    <p:spTree>
+      <p:nvGrpSpPr>
+        <p:cNvPr id="1" name=""/>
+        <p:cNvGrpSpPr/>
+        <p:nvPr/>
+      </p:nvGrpSpPr>
+      <p:grpSpPr>
+        <a:xfrm>
+          <a:off x="0" y="0"/>
+          <a:ext cx="0" cy="0"/>
+          <a:chOff x="0" y="0"/>
+          <a:chExt cx="0" cy="0"/>
+        </a:xfrm>
+      </p:grpSpPr>
+      <p:sp>
+        <p:nvSpPr>
+          <p:cNvPr id="40" name="PlaceHolder 1"/>
+          <p:cNvSpPr>
+            <a:spLocks noGrp="1"/>
+          </p:cNvSpPr>
+          <p:nvPr>
+            <p:ph type="title"/>
+          </p:nvPr>
+        </p:nvSpPr>
+        <p:spPr>
+          <a:xfrm>
+            <a:off x="504000" y="226080"/>
+            <a:ext cx="9071280" cy="946080"/>
+          </a:xfrm>
+          <a:prstGeom prst="rect">
+            <a:avLst/>
+          </a:prstGeom>
+        </p:spPr>
+        <p:txBody>
+          <a:bodyPr lIns="0" rIns="0" tIns="0" bIns="0" anchor="ctr">
+            <a:noAutofit/>
+          </a:bodyPr>
+          <a:p>
+            <a:pPr algn="ctr"/>
+            <a:endParaRPr b="0" lang="en-ID" sz="4400" spc="-1" strike="noStrike">
+              <a:latin typeface="Arial"/>
+            </a:endParaRPr>
+          </a:p>
+        </p:txBody>
+      </p:sp>
+      <p:sp>
+        <p:nvSpPr>
+          <p:cNvPr id="41" name="PlaceHolder 2"/>
+          <p:cNvSpPr>
+            <a:spLocks noGrp="1"/>
+          </p:cNvSpPr>
+          <p:nvPr>
+            <p:ph type="subTitle"/>
+          </p:nvPr>
+        </p:nvSpPr>
+        <p:spPr>
+          <a:xfrm>
+            <a:off x="504000" y="1326600"/>
+            <a:ext cx="9071280" cy="3287880"/>
+          </a:xfrm>
+          <a:prstGeom prst="rect">
+            <a:avLst/>
+          </a:prstGeom>
+        </p:spPr>
+        <p:txBody>
+          <a:bodyPr lIns="0" rIns="0" tIns="0" bIns="0" anchor="ctr">
+            <a:noAutofit/>
+          </a:bodyPr>
+          <a:p>
+            <a:pPr algn="ctr"/>
+            <a:endParaRPr b="0" lang="en-ID" sz="3200" spc="-1" strike="noStrike">
+              <a:latin typeface="Arial"/>
+            </a:endParaRPr>
+          </a:p>
+        </p:txBody>
+      </p:sp>
+    </p:spTree>
+  </p:cSld>
+</p:sldLayout>
+</file>
+
+<file path=ppt/slideLayouts/slideLayout15.xml><?xml version="1.0" encoding="utf-8"?>
+<p:sldLayout xmlns:a="http://schemas.openxmlformats.org/drawingml/2006/main" xmlns:p="http://schemas.openxmlformats.org/presentationml/2006/main" xmlns:r="http://schemas.openxmlformats.org/officeDocument/2006/relationships" xmlns:p14="http://schemas.microsoft.com/office/powerpoint/2010/main" xmlns:p15="http://schemas.microsoft.com/office/powerpoint/2012/main" xmlns:mc="http://schemas.openxmlformats.org/markup-compatibility/2006" type="obj" preserve="1">
+  <p:cSld name="Title, Content">
+    <p:spTree>
+      <p:nvGrpSpPr>
+        <p:cNvPr id="1" name=""/>
+        <p:cNvGrpSpPr/>
+        <p:nvPr/>
+      </p:nvGrpSpPr>
+      <p:grpSpPr>
+        <a:xfrm>
+          <a:off x="0" y="0"/>
+          <a:ext cx="0" cy="0"/>
+          <a:chOff x="0" y="0"/>
+          <a:chExt cx="0" cy="0"/>
+        </a:xfrm>
+      </p:grpSpPr>
+      <p:sp>
+        <p:nvSpPr>
+          <p:cNvPr id="42" name="PlaceHolder 1"/>
+          <p:cNvSpPr>
+            <a:spLocks noGrp="1"/>
+          </p:cNvSpPr>
+          <p:nvPr>
+            <p:ph type="title"/>
+          </p:nvPr>
+        </p:nvSpPr>
+        <p:spPr>
+          <a:xfrm>
+            <a:off x="504000" y="226080"/>
+            <a:ext cx="9071280" cy="946080"/>
+          </a:xfrm>
+          <a:prstGeom prst="rect">
+            <a:avLst/>
+          </a:prstGeom>
+        </p:spPr>
+        <p:txBody>
+          <a:bodyPr lIns="0" rIns="0" tIns="0" bIns="0" anchor="ctr">
+            <a:noAutofit/>
+          </a:bodyPr>
+          <a:p>
+            <a:pPr algn="ctr"/>
+            <a:endParaRPr b="0" lang="en-ID" sz="4400" spc="-1" strike="noStrike">
+              <a:latin typeface="Arial"/>
+            </a:endParaRPr>
+          </a:p>
+        </p:txBody>
+      </p:sp>
+      <p:sp>
+        <p:nvSpPr>
+          <p:cNvPr id="43" name="PlaceHolder 2"/>
+          <p:cNvSpPr>
+            <a:spLocks noGrp="1"/>
+          </p:cNvSpPr>
+          <p:nvPr>
+            <p:ph type="body"/>
+          </p:nvPr>
+        </p:nvSpPr>
+        <p:spPr>
+          <a:xfrm>
+            <a:off x="504000" y="1326600"/>
+            <a:ext cx="9071280" cy="3287880"/>
+          </a:xfrm>
+          <a:prstGeom prst="rect">
+            <a:avLst/>
+          </a:prstGeom>
+        </p:spPr>
+        <p:txBody>
+          <a:bodyPr lIns="0" rIns="0" tIns="0" bIns="0">
+            <a:normAutofit/>
+          </a:bodyPr>
+          <a:p>
+            <a:endParaRPr b="0" lang="en-ID" sz="3200" spc="-1" strike="noStrike">
+              <a:latin typeface="Arial"/>
+            </a:endParaRPr>
+          </a:p>
+        </p:txBody>
+      </p:sp>
+    </p:spTree>
+  </p:cSld>
+</p:sldLayout>
+</file>
+
+<file path=ppt/slideLayouts/slideLayout16.xml><?xml version="1.0" encoding="utf-8"?>
+<p:sldLayout xmlns:a="http://schemas.openxmlformats.org/drawingml/2006/main" xmlns:p="http://schemas.openxmlformats.org/presentationml/2006/main" xmlns:r="http://schemas.openxmlformats.org/officeDocument/2006/relationships" xmlns:p14="http://schemas.microsoft.com/office/powerpoint/2010/main" xmlns:p15="http://schemas.microsoft.com/office/powerpoint/2012/main" xmlns:mc="http://schemas.openxmlformats.org/markup-compatibility/2006" type="twoObj" preserve="1">
+  <p:cSld name="Title, 2 Content">
+    <p:spTree>
+      <p:nvGrpSpPr>
+        <p:cNvPr id="1" name=""/>
+        <p:cNvGrpSpPr/>
+        <p:nvPr/>
+      </p:nvGrpSpPr>
+      <p:grpSpPr>
+        <a:xfrm>
+          <a:off x="0" y="0"/>
+          <a:ext cx="0" cy="0"/>
+          <a:chOff x="0" y="0"/>
+          <a:chExt cx="0" cy="0"/>
+        </a:xfrm>
+      </p:grpSpPr>
+      <p:sp>
+        <p:nvSpPr>
+          <p:cNvPr id="44" name="PlaceHolder 1"/>
+          <p:cNvSpPr>
+            <a:spLocks noGrp="1"/>
+          </p:cNvSpPr>
+          <p:nvPr>
+            <p:ph type="title"/>
+          </p:nvPr>
+        </p:nvSpPr>
+        <p:spPr>
+          <a:xfrm>
+            <a:off x="504000" y="226080"/>
+            <a:ext cx="9071280" cy="946080"/>
+          </a:xfrm>
+          <a:prstGeom prst="rect">
+            <a:avLst/>
+          </a:prstGeom>
+        </p:spPr>
+        <p:txBody>
+          <a:bodyPr lIns="0" rIns="0" tIns="0" bIns="0" anchor="ctr">
+            <a:noAutofit/>
+          </a:bodyPr>
+          <a:p>
+            <a:pPr algn="ctr"/>
+            <a:endParaRPr b="0" lang="en-ID" sz="4400" spc="-1" strike="noStrike">
+              <a:latin typeface="Arial"/>
+            </a:endParaRPr>
+          </a:p>
+        </p:txBody>
+      </p:sp>
+      <p:sp>
+        <p:nvSpPr>
+          <p:cNvPr id="45" name="PlaceHolder 2"/>
+          <p:cNvSpPr>
+            <a:spLocks noGrp="1"/>
+          </p:cNvSpPr>
+          <p:nvPr>
+            <p:ph type="body"/>
+          </p:nvPr>
+        </p:nvSpPr>
+        <p:spPr>
+          <a:xfrm>
+            <a:off x="504000" y="1326600"/>
+            <a:ext cx="4426560" cy="3287880"/>
+          </a:xfrm>
+          <a:prstGeom prst="rect">
+            <a:avLst/>
+          </a:prstGeom>
+        </p:spPr>
+        <p:txBody>
+          <a:bodyPr lIns="0" rIns="0" tIns="0" bIns="0">
+            <a:normAutofit/>
+          </a:bodyPr>
+          <a:p>
+            <a:endParaRPr b="0" lang="en-ID" sz="3200" spc="-1" strike="noStrike">
+              <a:latin typeface="Arial"/>
+            </a:endParaRPr>
+          </a:p>
+        </p:txBody>
+      </p:sp>
+      <p:sp>
+        <p:nvSpPr>
+          <p:cNvPr id="46" name="PlaceHolder 3"/>
+          <p:cNvSpPr>
+            <a:spLocks noGrp="1"/>
+          </p:cNvSpPr>
+          <p:nvPr>
+            <p:ph type="body"/>
+          </p:nvPr>
+        </p:nvSpPr>
+        <p:spPr>
+          <a:xfrm>
+            <a:off x="5152320" y="1326600"/>
+            <a:ext cx="4426560" cy="3287880"/>
+          </a:xfrm>
+          <a:prstGeom prst="rect">
+            <a:avLst/>
+          </a:prstGeom>
+        </p:spPr>
+        <p:txBody>
+          <a:bodyPr lIns="0" rIns="0" tIns="0" bIns="0">
+            <a:normAutofit/>
+          </a:bodyPr>
+          <a:p>
+            <a:endParaRPr b="0" lang="en-ID" sz="3200" spc="-1" strike="noStrike">
+              <a:latin typeface="Arial"/>
+            </a:endParaRPr>
+          </a:p>
+        </p:txBody>
+      </p:sp>
+    </p:spTree>
+  </p:cSld>
+</p:sldLayout>
+</file>
+
+<file path=ppt/slideLayouts/slideLayout17.xml><?xml version="1.0" encoding="utf-8"?>
+<p:sldLayout xmlns:a="http://schemas.openxmlformats.org/drawingml/2006/main" xmlns:p="http://schemas.openxmlformats.org/presentationml/2006/main" xmlns:r="http://schemas.openxmlformats.org/officeDocument/2006/relationships" xmlns:p14="http://schemas.microsoft.com/office/powerpoint/2010/main" xmlns:p15="http://schemas.microsoft.com/office/powerpoint/2012/main" xmlns:mc="http://schemas.openxmlformats.org/markup-compatibility/2006" type="titleOnly" preserve="1">
+  <p:cSld name="Title Only">
+    <p:spTree>
+      <p:nvGrpSpPr>
+        <p:cNvPr id="1" name=""/>
+        <p:cNvGrpSpPr/>
+        <p:nvPr/>
+      </p:nvGrpSpPr>
+      <p:grpSpPr>
+        <a:xfrm>
+          <a:off x="0" y="0"/>
+          <a:ext cx="0" cy="0"/>
+          <a:chOff x="0" y="0"/>
+          <a:chExt cx="0" cy="0"/>
+        </a:xfrm>
+      </p:grpSpPr>
+      <p:sp>
+        <p:nvSpPr>
+          <p:cNvPr id="47" name="PlaceHolder 1"/>
+          <p:cNvSpPr>
+            <a:spLocks noGrp="1"/>
+          </p:cNvSpPr>
+          <p:nvPr>
+            <p:ph type="title"/>
+          </p:nvPr>
+        </p:nvSpPr>
+        <p:spPr>
+          <a:xfrm>
+            <a:off x="504000" y="226080"/>
+            <a:ext cx="9071280" cy="946080"/>
+          </a:xfrm>
+          <a:prstGeom prst="rect">
+            <a:avLst/>
+          </a:prstGeom>
+        </p:spPr>
+        <p:txBody>
+          <a:bodyPr lIns="0" rIns="0" tIns="0" bIns="0" anchor="ctr">
+            <a:noAutofit/>
+          </a:bodyPr>
+          <a:p>
+            <a:pPr algn="ctr"/>
+            <a:endParaRPr b="0" lang="en-ID" sz="4400" spc="-1" strike="noStrike">
+              <a:latin typeface="Arial"/>
+            </a:endParaRPr>
+          </a:p>
+        </p:txBody>
+      </p:sp>
+    </p:spTree>
+  </p:cSld>
+</p:sldLayout>
+</file>
+
+<file path=ppt/slideLayouts/slideLayout18.xml><?xml version="1.0" encoding="utf-8"?>
+<p:sldLayout xmlns:a="http://schemas.openxmlformats.org/drawingml/2006/main" xmlns:p="http://schemas.openxmlformats.org/presentationml/2006/main" xmlns:r="http://schemas.openxmlformats.org/officeDocument/2006/relationships" xmlns:p14="http://schemas.microsoft.com/office/powerpoint/2010/main" xmlns:p15="http://schemas.microsoft.com/office/powerpoint/2012/main" xmlns:mc="http://schemas.openxmlformats.org/markup-compatibility/2006" type="objOnly" preserve="1">
+  <p:cSld name="Centered Text">
+    <p:spTree>
+      <p:nvGrpSpPr>
+        <p:cNvPr id="1" name=""/>
+        <p:cNvGrpSpPr/>
+        <p:nvPr/>
+      </p:nvGrpSpPr>
+      <p:grpSpPr>
+        <a:xfrm>
+          <a:off x="0" y="0"/>
+          <a:ext cx="0" cy="0"/>
+          <a:chOff x="0" y="0"/>
+          <a:chExt cx="0" cy="0"/>
+        </a:xfrm>
+      </p:grpSpPr>
+      <p:sp>
+        <p:nvSpPr>
+          <p:cNvPr id="48" name="PlaceHolder 1"/>
+          <p:cNvSpPr>
+            <a:spLocks noGrp="1"/>
+          </p:cNvSpPr>
+          <p:nvPr>
+            <p:ph type="subTitle"/>
+          </p:nvPr>
+        </p:nvSpPr>
+        <p:spPr>
+          <a:xfrm>
+            <a:off x="504000" y="226080"/>
+            <a:ext cx="9071280" cy="4386600"/>
+          </a:xfrm>
+          <a:prstGeom prst="rect">
+            <a:avLst/>
+          </a:prstGeom>
+        </p:spPr>
+        <p:txBody>
+          <a:bodyPr lIns="0" rIns="0" tIns="0" bIns="0" anchor="ctr">
+            <a:noAutofit/>
+          </a:bodyPr>
+          <a:p>
+            <a:pPr algn="ctr"/>
+            <a:endParaRPr b="0" lang="en-ID" sz="3200" spc="-1" strike="noStrike">
+              <a:latin typeface="Arial"/>
+            </a:endParaRPr>
+          </a:p>
+        </p:txBody>
+      </p:sp>
+    </p:spTree>
+  </p:cSld>
+</p:sldLayout>
+</file>
+
+<file path=ppt/slideLayouts/slideLayout19.xml><?xml version="1.0" encoding="utf-8"?>
+<p:sldLayout xmlns:a="http://schemas.openxmlformats.org/drawingml/2006/main" xmlns:p="http://schemas.openxmlformats.org/presentationml/2006/main" xmlns:r="http://schemas.openxmlformats.org/officeDocument/2006/relationships" xmlns:p14="http://schemas.microsoft.com/office/powerpoint/2010/main" xmlns:p15="http://schemas.microsoft.com/office/powerpoint/2012/main" xmlns:mc="http://schemas.openxmlformats.org/markup-compatibility/2006" type="twoObjAndObj" preserve="1">
+  <p:cSld name="Title, 2 Content and Content">
+    <p:spTree>
+      <p:nvGrpSpPr>
+        <p:cNvPr id="1" name=""/>
+        <p:cNvGrpSpPr/>
+        <p:nvPr/>
+      </p:nvGrpSpPr>
+      <p:grpSpPr>
+        <a:xfrm>
+          <a:off x="0" y="0"/>
+          <a:ext cx="0" cy="0"/>
+          <a:chOff x="0" y="0"/>
+          <a:chExt cx="0" cy="0"/>
+        </a:xfrm>
+      </p:grpSpPr>
+      <p:sp>
+        <p:nvSpPr>
+          <p:cNvPr id="49" name="PlaceHolder 1"/>
+          <p:cNvSpPr>
+            <a:spLocks noGrp="1"/>
+          </p:cNvSpPr>
+          <p:nvPr>
+            <p:ph type="title"/>
+          </p:nvPr>
+        </p:nvSpPr>
+        <p:spPr>
+          <a:xfrm>
+            <a:off x="504000" y="226080"/>
+            <a:ext cx="9071280" cy="946080"/>
+          </a:xfrm>
+          <a:prstGeom prst="rect">
+            <a:avLst/>
+          </a:prstGeom>
+        </p:spPr>
+        <p:txBody>
+          <a:bodyPr lIns="0" rIns="0" tIns="0" bIns="0" anchor="ctr">
+            <a:noAutofit/>
+          </a:bodyPr>
+          <a:p>
+            <a:pPr algn="ctr"/>
+            <a:endParaRPr b="0" lang="en-ID" sz="4400" spc="-1" strike="noStrike">
+              <a:latin typeface="Arial"/>
+            </a:endParaRPr>
+          </a:p>
+        </p:txBody>
+      </p:sp>
+      <p:sp>
+        <p:nvSpPr>
+          <p:cNvPr id="50" name="PlaceHolder 2"/>
+          <p:cNvSpPr>
+            <a:spLocks noGrp="1"/>
+          </p:cNvSpPr>
+          <p:nvPr>
+            <p:ph type="body"/>
+          </p:nvPr>
+        </p:nvSpPr>
+        <p:spPr>
+          <a:xfrm>
+            <a:off x="504000" y="1326600"/>
+            <a:ext cx="4426560" cy="1568160"/>
+          </a:xfrm>
+          <a:prstGeom prst="rect">
+            <a:avLst/>
+          </a:prstGeom>
+        </p:spPr>
+        <p:txBody>
+          <a:bodyPr lIns="0" rIns="0" tIns="0" bIns="0">
+            <a:normAutofit/>
+          </a:bodyPr>
+          <a:p>
+            <a:endParaRPr b="0" lang="en-ID" sz="3200" spc="-1" strike="noStrike">
+              <a:latin typeface="Arial"/>
+            </a:endParaRPr>
+          </a:p>
+        </p:txBody>
+      </p:sp>
+      <p:sp>
+        <p:nvSpPr>
+          <p:cNvPr id="51" name="PlaceHolder 3"/>
+          <p:cNvSpPr>
+            <a:spLocks noGrp="1"/>
+          </p:cNvSpPr>
+          <p:nvPr>
+            <p:ph type="body"/>
+          </p:nvPr>
+        </p:nvSpPr>
+        <p:spPr>
+          <a:xfrm>
+            <a:off x="5152320" y="1326600"/>
+            <a:ext cx="4426560" cy="3287880"/>
+          </a:xfrm>
+          <a:prstGeom prst="rect">
+            <a:avLst/>
+          </a:prstGeom>
+        </p:spPr>
+        <p:txBody>
+          <a:bodyPr lIns="0" rIns="0" tIns="0" bIns="0">
+            <a:normAutofit/>
+          </a:bodyPr>
+          <a:p>
+            <a:endParaRPr b="0" lang="en-ID" sz="3200" spc="-1" strike="noStrike">
+              <a:latin typeface="Arial"/>
+            </a:endParaRPr>
+          </a:p>
+        </p:txBody>
+      </p:sp>
+      <p:sp>
+        <p:nvSpPr>
+          <p:cNvPr id="52" name="PlaceHolder 4"/>
+          <p:cNvSpPr>
+            <a:spLocks noGrp="1"/>
+          </p:cNvSpPr>
+          <p:nvPr>
+            <p:ph type="body"/>
+          </p:nvPr>
+        </p:nvSpPr>
+        <p:spPr>
+          <a:xfrm>
+            <a:off x="504000" y="3044160"/>
+            <a:ext cx="4426560" cy="1568160"/>
           </a:xfrm>
           <a:prstGeom prst="rect">
             <a:avLst/>
@@ -582,7 +1138,7 @@
       </p:grpSpPr>
       <p:sp>
         <p:nvSpPr>
-          <p:cNvPr id="5" name="PlaceHolder 1"/>
+          <p:cNvPr id="2" name="PlaceHolder 1"/>
           <p:cNvSpPr>
             <a:spLocks noGrp="1"/>
           </p:cNvSpPr>
@@ -593,7 +1149,7 @@
         <p:spPr>
           <a:xfrm>
             <a:off x="504000" y="226080"/>
-            <a:ext cx="9071640" cy="946440"/>
+            <a:ext cx="9071280" cy="946080"/>
           </a:xfrm>
           <a:prstGeom prst="rect">
             <a:avLst/>
@@ -613,7 +1169,7 @@
       </p:sp>
       <p:sp>
         <p:nvSpPr>
-          <p:cNvPr id="6" name="PlaceHolder 2"/>
+          <p:cNvPr id="3" name="PlaceHolder 2"/>
           <p:cNvSpPr>
             <a:spLocks noGrp="1"/>
           </p:cNvSpPr>
@@ -624,7 +1180,7 @@
         <p:spPr>
           <a:xfrm>
             <a:off x="504000" y="1326600"/>
-            <a:ext cx="9071640" cy="3288240"/>
+            <a:ext cx="9071280" cy="3287880"/>
           </a:xfrm>
           <a:prstGeom prst="rect">
             <a:avLst/>
@@ -636,6 +1192,811 @@
           </a:bodyPr>
           <a:p>
             <a:pPr algn="ctr"/>
+            <a:endParaRPr b="0" lang="en-ID" sz="3200" spc="-1" strike="noStrike">
+              <a:latin typeface="Arial"/>
+            </a:endParaRPr>
+          </a:p>
+        </p:txBody>
+      </p:sp>
+    </p:spTree>
+  </p:cSld>
+</p:sldLayout>
+</file>
+
+<file path=ppt/slideLayouts/slideLayout20.xml><?xml version="1.0" encoding="utf-8"?>
+<p:sldLayout xmlns:a="http://schemas.openxmlformats.org/drawingml/2006/main" xmlns:p="http://schemas.openxmlformats.org/presentationml/2006/main" xmlns:r="http://schemas.openxmlformats.org/officeDocument/2006/relationships" xmlns:p14="http://schemas.microsoft.com/office/powerpoint/2010/main" xmlns:p15="http://schemas.microsoft.com/office/powerpoint/2012/main" xmlns:mc="http://schemas.openxmlformats.org/markup-compatibility/2006" type="objAndTwoObj" preserve="1">
+  <p:cSld name="Title Content and 2 Content">
+    <p:spTree>
+      <p:nvGrpSpPr>
+        <p:cNvPr id="1" name=""/>
+        <p:cNvGrpSpPr/>
+        <p:nvPr/>
+      </p:nvGrpSpPr>
+      <p:grpSpPr>
+        <a:xfrm>
+          <a:off x="0" y="0"/>
+          <a:ext cx="0" cy="0"/>
+          <a:chOff x="0" y="0"/>
+          <a:chExt cx="0" cy="0"/>
+        </a:xfrm>
+      </p:grpSpPr>
+      <p:sp>
+        <p:nvSpPr>
+          <p:cNvPr id="53" name="PlaceHolder 1"/>
+          <p:cNvSpPr>
+            <a:spLocks noGrp="1"/>
+          </p:cNvSpPr>
+          <p:nvPr>
+            <p:ph type="title"/>
+          </p:nvPr>
+        </p:nvSpPr>
+        <p:spPr>
+          <a:xfrm>
+            <a:off x="504000" y="226080"/>
+            <a:ext cx="9071280" cy="946080"/>
+          </a:xfrm>
+          <a:prstGeom prst="rect">
+            <a:avLst/>
+          </a:prstGeom>
+        </p:spPr>
+        <p:txBody>
+          <a:bodyPr lIns="0" rIns="0" tIns="0" bIns="0" anchor="ctr">
+            <a:noAutofit/>
+          </a:bodyPr>
+          <a:p>
+            <a:pPr algn="ctr"/>
+            <a:endParaRPr b="0" lang="en-ID" sz="4400" spc="-1" strike="noStrike">
+              <a:latin typeface="Arial"/>
+            </a:endParaRPr>
+          </a:p>
+        </p:txBody>
+      </p:sp>
+      <p:sp>
+        <p:nvSpPr>
+          <p:cNvPr id="54" name="PlaceHolder 2"/>
+          <p:cNvSpPr>
+            <a:spLocks noGrp="1"/>
+          </p:cNvSpPr>
+          <p:nvPr>
+            <p:ph type="body"/>
+          </p:nvPr>
+        </p:nvSpPr>
+        <p:spPr>
+          <a:xfrm>
+            <a:off x="504000" y="1326600"/>
+            <a:ext cx="4426560" cy="3287880"/>
+          </a:xfrm>
+          <a:prstGeom prst="rect">
+            <a:avLst/>
+          </a:prstGeom>
+        </p:spPr>
+        <p:txBody>
+          <a:bodyPr lIns="0" rIns="0" tIns="0" bIns="0">
+            <a:normAutofit/>
+          </a:bodyPr>
+          <a:p>
+            <a:endParaRPr b="0" lang="en-ID" sz="3200" spc="-1" strike="noStrike">
+              <a:latin typeface="Arial"/>
+            </a:endParaRPr>
+          </a:p>
+        </p:txBody>
+      </p:sp>
+      <p:sp>
+        <p:nvSpPr>
+          <p:cNvPr id="55" name="PlaceHolder 3"/>
+          <p:cNvSpPr>
+            <a:spLocks noGrp="1"/>
+          </p:cNvSpPr>
+          <p:nvPr>
+            <p:ph type="body"/>
+          </p:nvPr>
+        </p:nvSpPr>
+        <p:spPr>
+          <a:xfrm>
+            <a:off x="5152320" y="1326600"/>
+            <a:ext cx="4426560" cy="1568160"/>
+          </a:xfrm>
+          <a:prstGeom prst="rect">
+            <a:avLst/>
+          </a:prstGeom>
+        </p:spPr>
+        <p:txBody>
+          <a:bodyPr lIns="0" rIns="0" tIns="0" bIns="0">
+            <a:normAutofit/>
+          </a:bodyPr>
+          <a:p>
+            <a:endParaRPr b="0" lang="en-ID" sz="3200" spc="-1" strike="noStrike">
+              <a:latin typeface="Arial"/>
+            </a:endParaRPr>
+          </a:p>
+        </p:txBody>
+      </p:sp>
+      <p:sp>
+        <p:nvSpPr>
+          <p:cNvPr id="56" name="PlaceHolder 4"/>
+          <p:cNvSpPr>
+            <a:spLocks noGrp="1"/>
+          </p:cNvSpPr>
+          <p:nvPr>
+            <p:ph type="body"/>
+          </p:nvPr>
+        </p:nvSpPr>
+        <p:spPr>
+          <a:xfrm>
+            <a:off x="5152320" y="3044160"/>
+            <a:ext cx="4426560" cy="1568160"/>
+          </a:xfrm>
+          <a:prstGeom prst="rect">
+            <a:avLst/>
+          </a:prstGeom>
+        </p:spPr>
+        <p:txBody>
+          <a:bodyPr lIns="0" rIns="0" tIns="0" bIns="0">
+            <a:normAutofit/>
+          </a:bodyPr>
+          <a:p>
+            <a:endParaRPr b="0" lang="en-ID" sz="3200" spc="-1" strike="noStrike">
+              <a:latin typeface="Arial"/>
+            </a:endParaRPr>
+          </a:p>
+        </p:txBody>
+      </p:sp>
+    </p:spTree>
+  </p:cSld>
+</p:sldLayout>
+</file>
+
+<file path=ppt/slideLayouts/slideLayout21.xml><?xml version="1.0" encoding="utf-8"?>
+<p:sldLayout xmlns:a="http://schemas.openxmlformats.org/drawingml/2006/main" xmlns:p="http://schemas.openxmlformats.org/presentationml/2006/main" xmlns:r="http://schemas.openxmlformats.org/officeDocument/2006/relationships" xmlns:p14="http://schemas.microsoft.com/office/powerpoint/2010/main" xmlns:p15="http://schemas.microsoft.com/office/powerpoint/2012/main" xmlns:mc="http://schemas.openxmlformats.org/markup-compatibility/2006" type="twoObjOverTx" preserve="1">
+  <p:cSld name="Title, 2 Content over Content">
+    <p:spTree>
+      <p:nvGrpSpPr>
+        <p:cNvPr id="1" name=""/>
+        <p:cNvGrpSpPr/>
+        <p:nvPr/>
+      </p:nvGrpSpPr>
+      <p:grpSpPr>
+        <a:xfrm>
+          <a:off x="0" y="0"/>
+          <a:ext cx="0" cy="0"/>
+          <a:chOff x="0" y="0"/>
+          <a:chExt cx="0" cy="0"/>
+        </a:xfrm>
+      </p:grpSpPr>
+      <p:sp>
+        <p:nvSpPr>
+          <p:cNvPr id="57" name="PlaceHolder 1"/>
+          <p:cNvSpPr>
+            <a:spLocks noGrp="1"/>
+          </p:cNvSpPr>
+          <p:nvPr>
+            <p:ph type="title"/>
+          </p:nvPr>
+        </p:nvSpPr>
+        <p:spPr>
+          <a:xfrm>
+            <a:off x="504000" y="226080"/>
+            <a:ext cx="9071280" cy="946080"/>
+          </a:xfrm>
+          <a:prstGeom prst="rect">
+            <a:avLst/>
+          </a:prstGeom>
+        </p:spPr>
+        <p:txBody>
+          <a:bodyPr lIns="0" rIns="0" tIns="0" bIns="0" anchor="ctr">
+            <a:noAutofit/>
+          </a:bodyPr>
+          <a:p>
+            <a:pPr algn="ctr"/>
+            <a:endParaRPr b="0" lang="en-ID" sz="4400" spc="-1" strike="noStrike">
+              <a:latin typeface="Arial"/>
+            </a:endParaRPr>
+          </a:p>
+        </p:txBody>
+      </p:sp>
+      <p:sp>
+        <p:nvSpPr>
+          <p:cNvPr id="58" name="PlaceHolder 2"/>
+          <p:cNvSpPr>
+            <a:spLocks noGrp="1"/>
+          </p:cNvSpPr>
+          <p:nvPr>
+            <p:ph type="body"/>
+          </p:nvPr>
+        </p:nvSpPr>
+        <p:spPr>
+          <a:xfrm>
+            <a:off x="504000" y="1326600"/>
+            <a:ext cx="4426560" cy="1568160"/>
+          </a:xfrm>
+          <a:prstGeom prst="rect">
+            <a:avLst/>
+          </a:prstGeom>
+        </p:spPr>
+        <p:txBody>
+          <a:bodyPr lIns="0" rIns="0" tIns="0" bIns="0">
+            <a:normAutofit/>
+          </a:bodyPr>
+          <a:p>
+            <a:endParaRPr b="0" lang="en-ID" sz="3200" spc="-1" strike="noStrike">
+              <a:latin typeface="Arial"/>
+            </a:endParaRPr>
+          </a:p>
+        </p:txBody>
+      </p:sp>
+      <p:sp>
+        <p:nvSpPr>
+          <p:cNvPr id="59" name="PlaceHolder 3"/>
+          <p:cNvSpPr>
+            <a:spLocks noGrp="1"/>
+          </p:cNvSpPr>
+          <p:nvPr>
+            <p:ph type="body"/>
+          </p:nvPr>
+        </p:nvSpPr>
+        <p:spPr>
+          <a:xfrm>
+            <a:off x="5152320" y="1326600"/>
+            <a:ext cx="4426560" cy="1568160"/>
+          </a:xfrm>
+          <a:prstGeom prst="rect">
+            <a:avLst/>
+          </a:prstGeom>
+        </p:spPr>
+        <p:txBody>
+          <a:bodyPr lIns="0" rIns="0" tIns="0" bIns="0">
+            <a:normAutofit/>
+          </a:bodyPr>
+          <a:p>
+            <a:endParaRPr b="0" lang="en-ID" sz="3200" spc="-1" strike="noStrike">
+              <a:latin typeface="Arial"/>
+            </a:endParaRPr>
+          </a:p>
+        </p:txBody>
+      </p:sp>
+      <p:sp>
+        <p:nvSpPr>
+          <p:cNvPr id="60" name="PlaceHolder 4"/>
+          <p:cNvSpPr>
+            <a:spLocks noGrp="1"/>
+          </p:cNvSpPr>
+          <p:nvPr>
+            <p:ph type="body"/>
+          </p:nvPr>
+        </p:nvSpPr>
+        <p:spPr>
+          <a:xfrm>
+            <a:off x="504000" y="3044160"/>
+            <a:ext cx="9071280" cy="1568160"/>
+          </a:xfrm>
+          <a:prstGeom prst="rect">
+            <a:avLst/>
+          </a:prstGeom>
+        </p:spPr>
+        <p:txBody>
+          <a:bodyPr lIns="0" rIns="0" tIns="0" bIns="0">
+            <a:normAutofit/>
+          </a:bodyPr>
+          <a:p>
+            <a:endParaRPr b="0" lang="en-ID" sz="3200" spc="-1" strike="noStrike">
+              <a:latin typeface="Arial"/>
+            </a:endParaRPr>
+          </a:p>
+        </p:txBody>
+      </p:sp>
+    </p:spTree>
+  </p:cSld>
+</p:sldLayout>
+</file>
+
+<file path=ppt/slideLayouts/slideLayout22.xml><?xml version="1.0" encoding="utf-8"?>
+<p:sldLayout xmlns:a="http://schemas.openxmlformats.org/drawingml/2006/main" xmlns:p="http://schemas.openxmlformats.org/presentationml/2006/main" xmlns:r="http://schemas.openxmlformats.org/officeDocument/2006/relationships" xmlns:p14="http://schemas.microsoft.com/office/powerpoint/2010/main" xmlns:p15="http://schemas.microsoft.com/office/powerpoint/2012/main" xmlns:mc="http://schemas.openxmlformats.org/markup-compatibility/2006" type="objOverTx" preserve="1">
+  <p:cSld name="Title, Content over Content">
+    <p:spTree>
+      <p:nvGrpSpPr>
+        <p:cNvPr id="1" name=""/>
+        <p:cNvGrpSpPr/>
+        <p:nvPr/>
+      </p:nvGrpSpPr>
+      <p:grpSpPr>
+        <a:xfrm>
+          <a:off x="0" y="0"/>
+          <a:ext cx="0" cy="0"/>
+          <a:chOff x="0" y="0"/>
+          <a:chExt cx="0" cy="0"/>
+        </a:xfrm>
+      </p:grpSpPr>
+      <p:sp>
+        <p:nvSpPr>
+          <p:cNvPr id="61" name="PlaceHolder 1"/>
+          <p:cNvSpPr>
+            <a:spLocks noGrp="1"/>
+          </p:cNvSpPr>
+          <p:nvPr>
+            <p:ph type="title"/>
+          </p:nvPr>
+        </p:nvSpPr>
+        <p:spPr>
+          <a:xfrm>
+            <a:off x="504000" y="226080"/>
+            <a:ext cx="9071280" cy="946080"/>
+          </a:xfrm>
+          <a:prstGeom prst="rect">
+            <a:avLst/>
+          </a:prstGeom>
+        </p:spPr>
+        <p:txBody>
+          <a:bodyPr lIns="0" rIns="0" tIns="0" bIns="0" anchor="ctr">
+            <a:noAutofit/>
+          </a:bodyPr>
+          <a:p>
+            <a:pPr algn="ctr"/>
+            <a:endParaRPr b="0" lang="en-ID" sz="4400" spc="-1" strike="noStrike">
+              <a:latin typeface="Arial"/>
+            </a:endParaRPr>
+          </a:p>
+        </p:txBody>
+      </p:sp>
+      <p:sp>
+        <p:nvSpPr>
+          <p:cNvPr id="62" name="PlaceHolder 2"/>
+          <p:cNvSpPr>
+            <a:spLocks noGrp="1"/>
+          </p:cNvSpPr>
+          <p:nvPr>
+            <p:ph type="body"/>
+          </p:nvPr>
+        </p:nvSpPr>
+        <p:spPr>
+          <a:xfrm>
+            <a:off x="504000" y="1326600"/>
+            <a:ext cx="9071280" cy="1568160"/>
+          </a:xfrm>
+          <a:prstGeom prst="rect">
+            <a:avLst/>
+          </a:prstGeom>
+        </p:spPr>
+        <p:txBody>
+          <a:bodyPr lIns="0" rIns="0" tIns="0" bIns="0">
+            <a:normAutofit/>
+          </a:bodyPr>
+          <a:p>
+            <a:endParaRPr b="0" lang="en-ID" sz="3200" spc="-1" strike="noStrike">
+              <a:latin typeface="Arial"/>
+            </a:endParaRPr>
+          </a:p>
+        </p:txBody>
+      </p:sp>
+      <p:sp>
+        <p:nvSpPr>
+          <p:cNvPr id="63" name="PlaceHolder 3"/>
+          <p:cNvSpPr>
+            <a:spLocks noGrp="1"/>
+          </p:cNvSpPr>
+          <p:nvPr>
+            <p:ph type="body"/>
+          </p:nvPr>
+        </p:nvSpPr>
+        <p:spPr>
+          <a:xfrm>
+            <a:off x="504000" y="3044160"/>
+            <a:ext cx="9071280" cy="1568160"/>
+          </a:xfrm>
+          <a:prstGeom prst="rect">
+            <a:avLst/>
+          </a:prstGeom>
+        </p:spPr>
+        <p:txBody>
+          <a:bodyPr lIns="0" rIns="0" tIns="0" bIns="0">
+            <a:normAutofit/>
+          </a:bodyPr>
+          <a:p>
+            <a:endParaRPr b="0" lang="en-ID" sz="3200" spc="-1" strike="noStrike">
+              <a:latin typeface="Arial"/>
+            </a:endParaRPr>
+          </a:p>
+        </p:txBody>
+      </p:sp>
+    </p:spTree>
+  </p:cSld>
+</p:sldLayout>
+</file>
+
+<file path=ppt/slideLayouts/slideLayout23.xml><?xml version="1.0" encoding="utf-8"?>
+<p:sldLayout xmlns:a="http://schemas.openxmlformats.org/drawingml/2006/main" xmlns:p="http://schemas.openxmlformats.org/presentationml/2006/main" xmlns:r="http://schemas.openxmlformats.org/officeDocument/2006/relationships" xmlns:p14="http://schemas.microsoft.com/office/powerpoint/2010/main" xmlns:p15="http://schemas.microsoft.com/office/powerpoint/2012/main" xmlns:mc="http://schemas.openxmlformats.org/markup-compatibility/2006" type="fourObj" preserve="1">
+  <p:cSld name="Title, 4 Content">
+    <p:spTree>
+      <p:nvGrpSpPr>
+        <p:cNvPr id="1" name=""/>
+        <p:cNvGrpSpPr/>
+        <p:nvPr/>
+      </p:nvGrpSpPr>
+      <p:grpSpPr>
+        <a:xfrm>
+          <a:off x="0" y="0"/>
+          <a:ext cx="0" cy="0"/>
+          <a:chOff x="0" y="0"/>
+          <a:chExt cx="0" cy="0"/>
+        </a:xfrm>
+      </p:grpSpPr>
+      <p:sp>
+        <p:nvSpPr>
+          <p:cNvPr id="64" name="PlaceHolder 1"/>
+          <p:cNvSpPr>
+            <a:spLocks noGrp="1"/>
+          </p:cNvSpPr>
+          <p:nvPr>
+            <p:ph type="title"/>
+          </p:nvPr>
+        </p:nvSpPr>
+        <p:spPr>
+          <a:xfrm>
+            <a:off x="504000" y="226080"/>
+            <a:ext cx="9071280" cy="946080"/>
+          </a:xfrm>
+          <a:prstGeom prst="rect">
+            <a:avLst/>
+          </a:prstGeom>
+        </p:spPr>
+        <p:txBody>
+          <a:bodyPr lIns="0" rIns="0" tIns="0" bIns="0" anchor="ctr">
+            <a:noAutofit/>
+          </a:bodyPr>
+          <a:p>
+            <a:pPr algn="ctr"/>
+            <a:endParaRPr b="0" lang="en-ID" sz="4400" spc="-1" strike="noStrike">
+              <a:latin typeface="Arial"/>
+            </a:endParaRPr>
+          </a:p>
+        </p:txBody>
+      </p:sp>
+      <p:sp>
+        <p:nvSpPr>
+          <p:cNvPr id="65" name="PlaceHolder 2"/>
+          <p:cNvSpPr>
+            <a:spLocks noGrp="1"/>
+          </p:cNvSpPr>
+          <p:nvPr>
+            <p:ph type="body"/>
+          </p:nvPr>
+        </p:nvSpPr>
+        <p:spPr>
+          <a:xfrm>
+            <a:off x="504000" y="1326600"/>
+            <a:ext cx="4426560" cy="1568160"/>
+          </a:xfrm>
+          <a:prstGeom prst="rect">
+            <a:avLst/>
+          </a:prstGeom>
+        </p:spPr>
+        <p:txBody>
+          <a:bodyPr lIns="0" rIns="0" tIns="0" bIns="0">
+            <a:normAutofit/>
+          </a:bodyPr>
+          <a:p>
+            <a:endParaRPr b="0" lang="en-ID" sz="3200" spc="-1" strike="noStrike">
+              <a:latin typeface="Arial"/>
+            </a:endParaRPr>
+          </a:p>
+        </p:txBody>
+      </p:sp>
+      <p:sp>
+        <p:nvSpPr>
+          <p:cNvPr id="66" name="PlaceHolder 3"/>
+          <p:cNvSpPr>
+            <a:spLocks noGrp="1"/>
+          </p:cNvSpPr>
+          <p:nvPr>
+            <p:ph type="body"/>
+          </p:nvPr>
+        </p:nvSpPr>
+        <p:spPr>
+          <a:xfrm>
+            <a:off x="5152320" y="1326600"/>
+            <a:ext cx="4426560" cy="1568160"/>
+          </a:xfrm>
+          <a:prstGeom prst="rect">
+            <a:avLst/>
+          </a:prstGeom>
+        </p:spPr>
+        <p:txBody>
+          <a:bodyPr lIns="0" rIns="0" tIns="0" bIns="0">
+            <a:normAutofit/>
+          </a:bodyPr>
+          <a:p>
+            <a:endParaRPr b="0" lang="en-ID" sz="3200" spc="-1" strike="noStrike">
+              <a:latin typeface="Arial"/>
+            </a:endParaRPr>
+          </a:p>
+        </p:txBody>
+      </p:sp>
+      <p:sp>
+        <p:nvSpPr>
+          <p:cNvPr id="67" name="PlaceHolder 4"/>
+          <p:cNvSpPr>
+            <a:spLocks noGrp="1"/>
+          </p:cNvSpPr>
+          <p:nvPr>
+            <p:ph type="body"/>
+          </p:nvPr>
+        </p:nvSpPr>
+        <p:spPr>
+          <a:xfrm>
+            <a:off x="504000" y="3044160"/>
+            <a:ext cx="4426560" cy="1568160"/>
+          </a:xfrm>
+          <a:prstGeom prst="rect">
+            <a:avLst/>
+          </a:prstGeom>
+        </p:spPr>
+        <p:txBody>
+          <a:bodyPr lIns="0" rIns="0" tIns="0" bIns="0">
+            <a:normAutofit/>
+          </a:bodyPr>
+          <a:p>
+            <a:endParaRPr b="0" lang="en-ID" sz="3200" spc="-1" strike="noStrike">
+              <a:latin typeface="Arial"/>
+            </a:endParaRPr>
+          </a:p>
+        </p:txBody>
+      </p:sp>
+      <p:sp>
+        <p:nvSpPr>
+          <p:cNvPr id="68" name="PlaceHolder 5"/>
+          <p:cNvSpPr>
+            <a:spLocks noGrp="1"/>
+          </p:cNvSpPr>
+          <p:nvPr>
+            <p:ph type="body"/>
+          </p:nvPr>
+        </p:nvSpPr>
+        <p:spPr>
+          <a:xfrm>
+            <a:off x="5152320" y="3044160"/>
+            <a:ext cx="4426560" cy="1568160"/>
+          </a:xfrm>
+          <a:prstGeom prst="rect">
+            <a:avLst/>
+          </a:prstGeom>
+        </p:spPr>
+        <p:txBody>
+          <a:bodyPr lIns="0" rIns="0" tIns="0" bIns="0">
+            <a:normAutofit/>
+          </a:bodyPr>
+          <a:p>
+            <a:endParaRPr b="0" lang="en-ID" sz="3200" spc="-1" strike="noStrike">
+              <a:latin typeface="Arial"/>
+            </a:endParaRPr>
+          </a:p>
+        </p:txBody>
+      </p:sp>
+    </p:spTree>
+  </p:cSld>
+</p:sldLayout>
+</file>
+
+<file path=ppt/slideLayouts/slideLayout24.xml><?xml version="1.0" encoding="utf-8"?>
+<p:sldLayout xmlns:a="http://schemas.openxmlformats.org/drawingml/2006/main" xmlns:p="http://schemas.openxmlformats.org/presentationml/2006/main" xmlns:r="http://schemas.openxmlformats.org/officeDocument/2006/relationships" xmlns:p14="http://schemas.microsoft.com/office/powerpoint/2010/main" xmlns:p15="http://schemas.microsoft.com/office/powerpoint/2012/main" xmlns:mc="http://schemas.openxmlformats.org/markup-compatibility/2006" type="blank" preserve="1">
+  <p:cSld name="Title, 6 Content">
+    <p:spTree>
+      <p:nvGrpSpPr>
+        <p:cNvPr id="1" name=""/>
+        <p:cNvGrpSpPr/>
+        <p:nvPr/>
+      </p:nvGrpSpPr>
+      <p:grpSpPr>
+        <a:xfrm>
+          <a:off x="0" y="0"/>
+          <a:ext cx="0" cy="0"/>
+          <a:chOff x="0" y="0"/>
+          <a:chExt cx="0" cy="0"/>
+        </a:xfrm>
+      </p:grpSpPr>
+      <p:sp>
+        <p:nvSpPr>
+          <p:cNvPr id="69" name="PlaceHolder 1"/>
+          <p:cNvSpPr>
+            <a:spLocks noGrp="1"/>
+          </p:cNvSpPr>
+          <p:nvPr>
+            <p:ph type="title"/>
+          </p:nvPr>
+        </p:nvSpPr>
+        <p:spPr>
+          <a:xfrm>
+            <a:off x="504000" y="226080"/>
+            <a:ext cx="9071280" cy="946080"/>
+          </a:xfrm>
+          <a:prstGeom prst="rect">
+            <a:avLst/>
+          </a:prstGeom>
+        </p:spPr>
+        <p:txBody>
+          <a:bodyPr lIns="0" rIns="0" tIns="0" bIns="0" anchor="ctr">
+            <a:noAutofit/>
+          </a:bodyPr>
+          <a:p>
+            <a:pPr algn="ctr"/>
+            <a:endParaRPr b="0" lang="en-ID" sz="4400" spc="-1" strike="noStrike">
+              <a:latin typeface="Arial"/>
+            </a:endParaRPr>
+          </a:p>
+        </p:txBody>
+      </p:sp>
+      <p:sp>
+        <p:nvSpPr>
+          <p:cNvPr id="70" name="PlaceHolder 2"/>
+          <p:cNvSpPr>
+            <a:spLocks noGrp="1"/>
+          </p:cNvSpPr>
+          <p:nvPr>
+            <p:ph type="body"/>
+          </p:nvPr>
+        </p:nvSpPr>
+        <p:spPr>
+          <a:xfrm>
+            <a:off x="504000" y="1326600"/>
+            <a:ext cx="2920680" cy="1568160"/>
+          </a:xfrm>
+          <a:prstGeom prst="rect">
+            <a:avLst/>
+          </a:prstGeom>
+        </p:spPr>
+        <p:txBody>
+          <a:bodyPr lIns="0" rIns="0" tIns="0" bIns="0">
+            <a:normAutofit/>
+          </a:bodyPr>
+          <a:p>
+            <a:endParaRPr b="0" lang="en-ID" sz="3200" spc="-1" strike="noStrike">
+              <a:latin typeface="Arial"/>
+            </a:endParaRPr>
+          </a:p>
+        </p:txBody>
+      </p:sp>
+      <p:sp>
+        <p:nvSpPr>
+          <p:cNvPr id="71" name="PlaceHolder 3"/>
+          <p:cNvSpPr>
+            <a:spLocks noGrp="1"/>
+          </p:cNvSpPr>
+          <p:nvPr>
+            <p:ph type="body"/>
+          </p:nvPr>
+        </p:nvSpPr>
+        <p:spPr>
+          <a:xfrm>
+            <a:off x="3571200" y="1326600"/>
+            <a:ext cx="2920680" cy="1568160"/>
+          </a:xfrm>
+          <a:prstGeom prst="rect">
+            <a:avLst/>
+          </a:prstGeom>
+        </p:spPr>
+        <p:txBody>
+          <a:bodyPr lIns="0" rIns="0" tIns="0" bIns="0">
+            <a:normAutofit/>
+          </a:bodyPr>
+          <a:p>
+            <a:endParaRPr b="0" lang="en-ID" sz="3200" spc="-1" strike="noStrike">
+              <a:latin typeface="Arial"/>
+            </a:endParaRPr>
+          </a:p>
+        </p:txBody>
+      </p:sp>
+      <p:sp>
+        <p:nvSpPr>
+          <p:cNvPr id="72" name="PlaceHolder 4"/>
+          <p:cNvSpPr>
+            <a:spLocks noGrp="1"/>
+          </p:cNvSpPr>
+          <p:nvPr>
+            <p:ph type="body"/>
+          </p:nvPr>
+        </p:nvSpPr>
+        <p:spPr>
+          <a:xfrm>
+            <a:off x="6638040" y="1326600"/>
+            <a:ext cx="2920680" cy="1568160"/>
+          </a:xfrm>
+          <a:prstGeom prst="rect">
+            <a:avLst/>
+          </a:prstGeom>
+        </p:spPr>
+        <p:txBody>
+          <a:bodyPr lIns="0" rIns="0" tIns="0" bIns="0">
+            <a:normAutofit/>
+          </a:bodyPr>
+          <a:p>
+            <a:endParaRPr b="0" lang="en-ID" sz="3200" spc="-1" strike="noStrike">
+              <a:latin typeface="Arial"/>
+            </a:endParaRPr>
+          </a:p>
+        </p:txBody>
+      </p:sp>
+      <p:sp>
+        <p:nvSpPr>
+          <p:cNvPr id="73" name="PlaceHolder 5"/>
+          <p:cNvSpPr>
+            <a:spLocks noGrp="1"/>
+          </p:cNvSpPr>
+          <p:nvPr>
+            <p:ph type="body"/>
+          </p:nvPr>
+        </p:nvSpPr>
+        <p:spPr>
+          <a:xfrm>
+            <a:off x="504000" y="3044160"/>
+            <a:ext cx="2920680" cy="1568160"/>
+          </a:xfrm>
+          <a:prstGeom prst="rect">
+            <a:avLst/>
+          </a:prstGeom>
+        </p:spPr>
+        <p:txBody>
+          <a:bodyPr lIns="0" rIns="0" tIns="0" bIns="0">
+            <a:normAutofit/>
+          </a:bodyPr>
+          <a:p>
+            <a:endParaRPr b="0" lang="en-ID" sz="3200" spc="-1" strike="noStrike">
+              <a:latin typeface="Arial"/>
+            </a:endParaRPr>
+          </a:p>
+        </p:txBody>
+      </p:sp>
+      <p:sp>
+        <p:nvSpPr>
+          <p:cNvPr id="74" name="PlaceHolder 6"/>
+          <p:cNvSpPr>
+            <a:spLocks noGrp="1"/>
+          </p:cNvSpPr>
+          <p:nvPr>
+            <p:ph type="body"/>
+          </p:nvPr>
+        </p:nvSpPr>
+        <p:spPr>
+          <a:xfrm>
+            <a:off x="3571200" y="3044160"/>
+            <a:ext cx="2920680" cy="1568160"/>
+          </a:xfrm>
+          <a:prstGeom prst="rect">
+            <a:avLst/>
+          </a:prstGeom>
+        </p:spPr>
+        <p:txBody>
+          <a:bodyPr lIns="0" rIns="0" tIns="0" bIns="0">
+            <a:normAutofit/>
+          </a:bodyPr>
+          <a:p>
+            <a:endParaRPr b="0" lang="en-ID" sz="3200" spc="-1" strike="noStrike">
+              <a:latin typeface="Arial"/>
+            </a:endParaRPr>
+          </a:p>
+        </p:txBody>
+      </p:sp>
+      <p:sp>
+        <p:nvSpPr>
+          <p:cNvPr id="75" name="PlaceHolder 7"/>
+          <p:cNvSpPr>
+            <a:spLocks noGrp="1"/>
+          </p:cNvSpPr>
+          <p:nvPr>
+            <p:ph type="body"/>
+          </p:nvPr>
+        </p:nvSpPr>
+        <p:spPr>
+          <a:xfrm>
+            <a:off x="6638040" y="3044160"/>
+            <a:ext cx="2920680" cy="1568160"/>
+          </a:xfrm>
+          <a:prstGeom prst="rect">
+            <a:avLst/>
+          </a:prstGeom>
+        </p:spPr>
+        <p:txBody>
+          <a:bodyPr lIns="0" rIns="0" tIns="0" bIns="0">
+            <a:normAutofit/>
+          </a:bodyPr>
+          <a:p>
             <a:endParaRPr b="0" lang="en-ID" sz="3200" spc="-1" strike="noStrike">
               <a:latin typeface="Arial"/>
             </a:endParaRPr>
@@ -666,7 +2027,7 @@
       </p:grpSpPr>
       <p:sp>
         <p:nvSpPr>
-          <p:cNvPr id="7" name="PlaceHolder 1"/>
+          <p:cNvPr id="4" name="PlaceHolder 1"/>
           <p:cNvSpPr>
             <a:spLocks noGrp="1"/>
           </p:cNvSpPr>
@@ -677,7 +2038,7 @@
         <p:spPr>
           <a:xfrm>
             <a:off x="504000" y="226080"/>
-            <a:ext cx="9071640" cy="946440"/>
+            <a:ext cx="9071280" cy="946080"/>
           </a:xfrm>
           <a:prstGeom prst="rect">
             <a:avLst/>
@@ -697,7 +2058,7 @@
       </p:sp>
       <p:sp>
         <p:nvSpPr>
-          <p:cNvPr id="8" name="PlaceHolder 2"/>
+          <p:cNvPr id="5" name="PlaceHolder 2"/>
           <p:cNvSpPr>
             <a:spLocks noGrp="1"/>
           </p:cNvSpPr>
@@ -708,7 +2069,7 @@
         <p:spPr>
           <a:xfrm>
             <a:off x="504000" y="1326600"/>
-            <a:ext cx="9071640" cy="3288240"/>
+            <a:ext cx="9071280" cy="3287880"/>
           </a:xfrm>
           <a:prstGeom prst="rect">
             <a:avLst/>
@@ -749,7 +2110,7 @@
       </p:grpSpPr>
       <p:sp>
         <p:nvSpPr>
-          <p:cNvPr id="9" name="PlaceHolder 1"/>
+          <p:cNvPr id="6" name="PlaceHolder 1"/>
           <p:cNvSpPr>
             <a:spLocks noGrp="1"/>
           </p:cNvSpPr>
@@ -760,7 +2121,7 @@
         <p:spPr>
           <a:xfrm>
             <a:off x="504000" y="226080"/>
-            <a:ext cx="9071640" cy="946440"/>
+            <a:ext cx="9071280" cy="946080"/>
           </a:xfrm>
           <a:prstGeom prst="rect">
             <a:avLst/>
@@ -780,7 +2141,7 @@
       </p:sp>
       <p:sp>
         <p:nvSpPr>
-          <p:cNvPr id="10" name="PlaceHolder 2"/>
+          <p:cNvPr id="7" name="PlaceHolder 2"/>
           <p:cNvSpPr>
             <a:spLocks noGrp="1"/>
           </p:cNvSpPr>
@@ -791,7 +2152,7 @@
         <p:spPr>
           <a:xfrm>
             <a:off x="504000" y="1326600"/>
-            <a:ext cx="4426920" cy="3288240"/>
+            <a:ext cx="4426560" cy="3287880"/>
           </a:xfrm>
           <a:prstGeom prst="rect">
             <a:avLst/>
@@ -810,7 +2171,7 @@
       </p:sp>
       <p:sp>
         <p:nvSpPr>
-          <p:cNvPr id="11" name="PlaceHolder 3"/>
+          <p:cNvPr id="8" name="PlaceHolder 3"/>
           <p:cNvSpPr>
             <a:spLocks noGrp="1"/>
           </p:cNvSpPr>
@@ -820,8 +2181,8 @@
         </p:nvSpPr>
         <p:spPr>
           <a:xfrm>
-            <a:off x="5152680" y="1326600"/>
-            <a:ext cx="4426920" cy="3288240"/>
+            <a:off x="5152320" y="1326600"/>
+            <a:ext cx="4426560" cy="3287880"/>
           </a:xfrm>
           <a:prstGeom prst="rect">
             <a:avLst/>
@@ -862,7 +2223,7 @@
       </p:grpSpPr>
       <p:sp>
         <p:nvSpPr>
-          <p:cNvPr id="12" name="PlaceHolder 1"/>
+          <p:cNvPr id="9" name="PlaceHolder 1"/>
           <p:cNvSpPr>
             <a:spLocks noGrp="1"/>
           </p:cNvSpPr>
@@ -873,7 +2234,7 @@
         <p:spPr>
           <a:xfrm>
             <a:off x="504000" y="226080"/>
-            <a:ext cx="9071640" cy="946440"/>
+            <a:ext cx="9071280" cy="946080"/>
           </a:xfrm>
           <a:prstGeom prst="rect">
             <a:avLst/>
@@ -915,7 +2276,7 @@
       </p:grpSpPr>
       <p:sp>
         <p:nvSpPr>
-          <p:cNvPr id="13" name="PlaceHolder 1"/>
+          <p:cNvPr id="10" name="PlaceHolder 1"/>
           <p:cNvSpPr>
             <a:spLocks noGrp="1"/>
           </p:cNvSpPr>
@@ -926,7 +2287,7 @@
         <p:spPr>
           <a:xfrm>
             <a:off x="504000" y="226080"/>
-            <a:ext cx="9071640" cy="4388400"/>
+            <a:ext cx="9071280" cy="4386600"/>
           </a:xfrm>
           <a:prstGeom prst="rect">
             <a:avLst/>
@@ -968,7 +2329,7 @@
       </p:grpSpPr>
       <p:sp>
         <p:nvSpPr>
-          <p:cNvPr id="14" name="PlaceHolder 1"/>
+          <p:cNvPr id="11" name="PlaceHolder 1"/>
           <p:cNvSpPr>
             <a:spLocks noGrp="1"/>
           </p:cNvSpPr>
@@ -979,7 +2340,7 @@
         <p:spPr>
           <a:xfrm>
             <a:off x="504000" y="226080"/>
-            <a:ext cx="9071640" cy="946440"/>
+            <a:ext cx="9071280" cy="946080"/>
           </a:xfrm>
           <a:prstGeom prst="rect">
             <a:avLst/>
@@ -999,7 +2360,7 @@
       </p:sp>
       <p:sp>
         <p:nvSpPr>
-          <p:cNvPr id="15" name="PlaceHolder 2"/>
+          <p:cNvPr id="12" name="PlaceHolder 2"/>
           <p:cNvSpPr>
             <a:spLocks noGrp="1"/>
           </p:cNvSpPr>
@@ -1010,7 +2371,7 @@
         <p:spPr>
           <a:xfrm>
             <a:off x="504000" y="1326600"/>
-            <a:ext cx="4426920" cy="1568160"/>
+            <a:ext cx="4426560" cy="1568160"/>
           </a:xfrm>
           <a:prstGeom prst="rect">
             <a:avLst/>
@@ -1029,7 +2390,7 @@
       </p:sp>
       <p:sp>
         <p:nvSpPr>
-          <p:cNvPr id="16" name="PlaceHolder 3"/>
+          <p:cNvPr id="13" name="PlaceHolder 3"/>
           <p:cNvSpPr>
             <a:spLocks noGrp="1"/>
           </p:cNvSpPr>
@@ -1039,8 +2400,8 @@
         </p:nvSpPr>
         <p:spPr>
           <a:xfrm>
-            <a:off x="5152680" y="1326600"/>
-            <a:ext cx="4426920" cy="3288240"/>
+            <a:off x="5152320" y="1326600"/>
+            <a:ext cx="4426560" cy="3287880"/>
           </a:xfrm>
           <a:prstGeom prst="rect">
             <a:avLst/>
@@ -1059,7 +2420,7 @@
       </p:sp>
       <p:sp>
         <p:nvSpPr>
-          <p:cNvPr id="17" name="PlaceHolder 4"/>
+          <p:cNvPr id="14" name="PlaceHolder 4"/>
           <p:cNvSpPr>
             <a:spLocks noGrp="1"/>
           </p:cNvSpPr>
@@ -1070,7 +2431,7 @@
         <p:spPr>
           <a:xfrm>
             <a:off x="504000" y="3044160"/>
-            <a:ext cx="4426920" cy="1568160"/>
+            <a:ext cx="4426560" cy="1568160"/>
           </a:xfrm>
           <a:prstGeom prst="rect">
             <a:avLst/>
@@ -1111,7 +2472,7 @@
       </p:grpSpPr>
       <p:sp>
         <p:nvSpPr>
-          <p:cNvPr id="18" name="PlaceHolder 1"/>
+          <p:cNvPr id="15" name="PlaceHolder 1"/>
           <p:cNvSpPr>
             <a:spLocks noGrp="1"/>
           </p:cNvSpPr>
@@ -1122,7 +2483,7 @@
         <p:spPr>
           <a:xfrm>
             <a:off x="504000" y="226080"/>
-            <a:ext cx="9071640" cy="946440"/>
+            <a:ext cx="9071280" cy="946080"/>
           </a:xfrm>
           <a:prstGeom prst="rect">
             <a:avLst/>
@@ -1142,7 +2503,7 @@
       </p:sp>
       <p:sp>
         <p:nvSpPr>
-          <p:cNvPr id="19" name="PlaceHolder 2"/>
+          <p:cNvPr id="16" name="PlaceHolder 2"/>
           <p:cNvSpPr>
             <a:spLocks noGrp="1"/>
           </p:cNvSpPr>
@@ -1153,7 +2514,7 @@
         <p:spPr>
           <a:xfrm>
             <a:off x="504000" y="1326600"/>
-            <a:ext cx="4426920" cy="3288240"/>
+            <a:ext cx="4426560" cy="3287880"/>
           </a:xfrm>
           <a:prstGeom prst="rect">
             <a:avLst/>
@@ -1172,7 +2533,7 @@
       </p:sp>
       <p:sp>
         <p:nvSpPr>
-          <p:cNvPr id="20" name="PlaceHolder 3"/>
+          <p:cNvPr id="17" name="PlaceHolder 3"/>
           <p:cNvSpPr>
             <a:spLocks noGrp="1"/>
           </p:cNvSpPr>
@@ -1182,8 +2543,8 @@
         </p:nvSpPr>
         <p:spPr>
           <a:xfrm>
-            <a:off x="5152680" y="1326600"/>
-            <a:ext cx="4426920" cy="1568160"/>
+            <a:off x="5152320" y="1326600"/>
+            <a:ext cx="4426560" cy="1568160"/>
           </a:xfrm>
           <a:prstGeom prst="rect">
             <a:avLst/>
@@ -1202,7 +2563,7 @@
       </p:sp>
       <p:sp>
         <p:nvSpPr>
-          <p:cNvPr id="21" name="PlaceHolder 4"/>
+          <p:cNvPr id="18" name="PlaceHolder 4"/>
           <p:cNvSpPr>
             <a:spLocks noGrp="1"/>
           </p:cNvSpPr>
@@ -1212,8 +2573,8 @@
         </p:nvSpPr>
         <p:spPr>
           <a:xfrm>
-            <a:off x="5152680" y="3044160"/>
-            <a:ext cx="4426920" cy="1568160"/>
+            <a:off x="5152320" y="3044160"/>
+            <a:ext cx="4426560" cy="1568160"/>
           </a:xfrm>
           <a:prstGeom prst="rect">
             <a:avLst/>
@@ -1254,7 +2615,7 @@
       </p:grpSpPr>
       <p:sp>
         <p:nvSpPr>
-          <p:cNvPr id="22" name="PlaceHolder 1"/>
+          <p:cNvPr id="19" name="PlaceHolder 1"/>
           <p:cNvSpPr>
             <a:spLocks noGrp="1"/>
           </p:cNvSpPr>
@@ -1265,7 +2626,7 @@
         <p:spPr>
           <a:xfrm>
             <a:off x="504000" y="226080"/>
-            <a:ext cx="9071640" cy="946440"/>
+            <a:ext cx="9071280" cy="946080"/>
           </a:xfrm>
           <a:prstGeom prst="rect">
             <a:avLst/>
@@ -1285,7 +2646,7 @@
       </p:sp>
       <p:sp>
         <p:nvSpPr>
-          <p:cNvPr id="23" name="PlaceHolder 2"/>
+          <p:cNvPr id="20" name="PlaceHolder 2"/>
           <p:cNvSpPr>
             <a:spLocks noGrp="1"/>
           </p:cNvSpPr>
@@ -1296,7 +2657,7 @@
         <p:spPr>
           <a:xfrm>
             <a:off x="504000" y="1326600"/>
-            <a:ext cx="4426920" cy="1568160"/>
+            <a:ext cx="4426560" cy="1568160"/>
           </a:xfrm>
           <a:prstGeom prst="rect">
             <a:avLst/>
@@ -1315,7 +2676,7 @@
       </p:sp>
       <p:sp>
         <p:nvSpPr>
-          <p:cNvPr id="24" name="PlaceHolder 3"/>
+          <p:cNvPr id="21" name="PlaceHolder 3"/>
           <p:cNvSpPr>
             <a:spLocks noGrp="1"/>
           </p:cNvSpPr>
@@ -1325,8 +2686,8 @@
         </p:nvSpPr>
         <p:spPr>
           <a:xfrm>
-            <a:off x="5152680" y="1326600"/>
-            <a:ext cx="4426920" cy="1568160"/>
+            <a:off x="5152320" y="1326600"/>
+            <a:ext cx="4426560" cy="1568160"/>
           </a:xfrm>
           <a:prstGeom prst="rect">
             <a:avLst/>
@@ -1345,7 +2706,7 @@
       </p:sp>
       <p:sp>
         <p:nvSpPr>
-          <p:cNvPr id="25" name="PlaceHolder 4"/>
+          <p:cNvPr id="22" name="PlaceHolder 4"/>
           <p:cNvSpPr>
             <a:spLocks noGrp="1"/>
           </p:cNvSpPr>
@@ -1356,7 +2717,7 @@
         <p:spPr>
           <a:xfrm>
             <a:off x="504000" y="3044160"/>
-            <a:ext cx="9071640" cy="1568160"/>
+            <a:ext cx="9071280" cy="1568160"/>
           </a:xfrm>
           <a:prstGeom prst="rect">
             <a:avLst/>
@@ -1408,7 +2769,7 @@
         <p:spPr>
           <a:xfrm>
             <a:off x="504000" y="226080"/>
-            <a:ext cx="9071640" cy="946440"/>
+            <a:ext cx="9071280" cy="946080"/>
           </a:xfrm>
           <a:prstGeom prst="rect">
             <a:avLst/>
@@ -1421,12 +2782,12 @@
           <a:p>
             <a:pPr algn="ctr"/>
             <a:r>
-              <a:rPr b="0" lang="en-ID" sz="4400" spc="-1" strike="noStrike">
+              <a:rPr b="0" lang="en-ID" sz="1800" spc="-1" strike="noStrike">
                 <a:latin typeface="Arial"/>
               </a:rPr>
               <a:t>Click to edit the title text format</a:t>
             </a:r>
-            <a:endParaRPr b="0" lang="en-ID" sz="4400" spc="-1" strike="noStrike">
+            <a:endParaRPr b="0" lang="en-ID" sz="1800" spc="-1" strike="noStrike">
               <a:latin typeface="Arial"/>
             </a:endParaRPr>
           </a:p>
@@ -1445,7 +2806,7 @@
         <p:spPr>
           <a:xfrm>
             <a:off x="504000" y="1326600"/>
-            <a:ext cx="9071640" cy="3288240"/>
+            <a:ext cx="9072000" cy="3288600"/>
           </a:xfrm>
           <a:prstGeom prst="rect">
             <a:avLst/>
@@ -1611,116 +2972,6 @@
           </a:p>
         </p:txBody>
       </p:sp>
-      <p:sp>
-        <p:nvSpPr>
-          <p:cNvPr id="2" name="PlaceHolder 3"/>
-          <p:cNvSpPr>
-            <a:spLocks noGrp="1"/>
-          </p:cNvSpPr>
-          <p:nvPr>
-            <p:ph type="dt"/>
-          </p:nvPr>
-        </p:nvSpPr>
-        <p:spPr>
-          <a:xfrm>
-            <a:off x="504000" y="5165280"/>
-            <a:ext cx="2348280" cy="390600"/>
-          </a:xfrm>
-          <a:prstGeom prst="rect">
-            <a:avLst/>
-          </a:prstGeom>
-        </p:spPr>
-        <p:txBody>
-          <a:bodyPr lIns="0" rIns="0" tIns="0" bIns="0">
-            <a:noAutofit/>
-          </a:bodyPr>
-          <a:p>
-            <a:r>
-              <a:rPr b="0" lang="en-ID" sz="1400" spc="-1" strike="noStrike">
-                <a:latin typeface="Times New Roman"/>
-              </a:rPr>
-              <a:t>&lt;date/time&gt;</a:t>
-            </a:r>
-            <a:endParaRPr b="0" lang="en-ID" sz="1400" spc="-1" strike="noStrike">
-              <a:latin typeface="Times New Roman"/>
-            </a:endParaRPr>
-          </a:p>
-        </p:txBody>
-      </p:sp>
-      <p:sp>
-        <p:nvSpPr>
-          <p:cNvPr id="3" name="PlaceHolder 4"/>
-          <p:cNvSpPr>
-            <a:spLocks noGrp="1"/>
-          </p:cNvSpPr>
-          <p:nvPr>
-            <p:ph type="ftr"/>
-          </p:nvPr>
-        </p:nvSpPr>
-        <p:spPr>
-          <a:xfrm>
-            <a:off x="3447360" y="5165280"/>
-            <a:ext cx="3195000" cy="390600"/>
-          </a:xfrm>
-          <a:prstGeom prst="rect">
-            <a:avLst/>
-          </a:prstGeom>
-        </p:spPr>
-        <p:txBody>
-          <a:bodyPr lIns="0" rIns="0" tIns="0" bIns="0">
-            <a:noAutofit/>
-          </a:bodyPr>
-          <a:p>
-            <a:pPr algn="ctr"/>
-            <a:r>
-              <a:rPr b="0" lang="en-ID" sz="1400" spc="-1" strike="noStrike">
-                <a:latin typeface="Times New Roman"/>
-              </a:rPr>
-              <a:t>&lt;footer&gt;</a:t>
-            </a:r>
-            <a:endParaRPr b="0" lang="en-ID" sz="1400" spc="-1" strike="noStrike">
-              <a:latin typeface="Times New Roman"/>
-            </a:endParaRPr>
-          </a:p>
-        </p:txBody>
-      </p:sp>
-      <p:sp>
-        <p:nvSpPr>
-          <p:cNvPr id="4" name="PlaceHolder 5"/>
-          <p:cNvSpPr>
-            <a:spLocks noGrp="1"/>
-          </p:cNvSpPr>
-          <p:nvPr>
-            <p:ph type="sldNum"/>
-          </p:nvPr>
-        </p:nvSpPr>
-        <p:spPr>
-          <a:xfrm>
-            <a:off x="7227360" y="5165280"/>
-            <a:ext cx="2348280" cy="390600"/>
-          </a:xfrm>
-          <a:prstGeom prst="rect">
-            <a:avLst/>
-          </a:prstGeom>
-        </p:spPr>
-        <p:txBody>
-          <a:bodyPr lIns="0" rIns="0" tIns="0" bIns="0">
-            <a:noAutofit/>
-          </a:bodyPr>
-          <a:p>
-            <a:pPr algn="r"/>
-            <a:fld id="{DDBC0E02-23CB-4A50-AEFA-B5C1201B7EA1}" type="slidenum">
-              <a:rPr b="0" lang="en-ID" sz="1400" spc="-1" strike="noStrike">
-                <a:latin typeface="Times New Roman"/>
-              </a:rPr>
-              <a:t>&lt;number&gt;</a:t>
-            </a:fld>
-            <a:endParaRPr b="0" lang="en-ID" sz="1400" spc="-1" strike="noStrike">
-              <a:latin typeface="Times New Roman"/>
-            </a:endParaRPr>
-          </a:p>
-        </p:txBody>
-      </p:sp>
     </p:spTree>
   </p:cSld>
   <p:clrMap bg1="lt1" bg2="lt2" tx1="dk1" tx2="dk2" accent1="accent1" accent2="accent2" accent3="accent3" accent4="accent4" accent5="accent5" accent6="accent6" hlink="hlink" folHlink="folHlink"/>
@@ -1737,6 +2988,259 @@
     <p:sldLayoutId id="2147483658" r:id="rId11"/>
     <p:sldLayoutId id="2147483659" r:id="rId12"/>
     <p:sldLayoutId id="2147483660" r:id="rId13"/>
+  </p:sldLayoutIdLst>
+</p:sldMaster>
+</file>
+
+<file path=ppt/slideMasters/slideMaster2.xml><?xml version="1.0" encoding="utf-8"?>
+<p:sldMaster xmlns:a="http://schemas.openxmlformats.org/drawingml/2006/main" xmlns:p="http://schemas.openxmlformats.org/presentationml/2006/main" xmlns:r="http://schemas.openxmlformats.org/officeDocument/2006/relationships" xmlns:p14="http://schemas.microsoft.com/office/powerpoint/2010/main" xmlns:p15="http://schemas.microsoft.com/office/powerpoint/2012/main" xmlns:mc="http://schemas.openxmlformats.org/markup-compatibility/2006">
+  <p:cSld>
+    <p:spTree>
+      <p:nvGrpSpPr>
+        <p:cNvPr id="1" name=""/>
+        <p:cNvGrpSpPr/>
+        <p:nvPr/>
+      </p:nvGrpSpPr>
+      <p:grpSpPr>
+        <a:xfrm>
+          <a:off x="0" y="0"/>
+          <a:ext cx="0" cy="0"/>
+          <a:chOff x="0" y="0"/>
+          <a:chExt cx="0" cy="0"/>
+        </a:xfrm>
+      </p:grpSpPr>
+      <p:sp>
+        <p:nvSpPr>
+          <p:cNvPr id="38" name="PlaceHolder 1"/>
+          <p:cNvSpPr>
+            <a:spLocks noGrp="1"/>
+          </p:cNvSpPr>
+          <p:nvPr>
+            <p:ph type="title"/>
+          </p:nvPr>
+        </p:nvSpPr>
+        <p:spPr>
+          <a:xfrm>
+            <a:off x="504000" y="226080"/>
+            <a:ext cx="9071280" cy="946080"/>
+          </a:xfrm>
+          <a:prstGeom prst="rect">
+            <a:avLst/>
+          </a:prstGeom>
+        </p:spPr>
+        <p:txBody>
+          <a:bodyPr lIns="0" rIns="0" tIns="0" bIns="0" anchor="ctr">
+            <a:noAutofit/>
+          </a:bodyPr>
+          <a:p>
+            <a:pPr algn="ctr"/>
+            <a:r>
+              <a:rPr b="0" lang="en-ID" sz="1800" spc="-1" strike="noStrike">
+                <a:latin typeface="Arial"/>
+              </a:rPr>
+              <a:t>Click to edit the title text format</a:t>
+            </a:r>
+            <a:endParaRPr b="0" lang="en-ID" sz="1800" spc="-1" strike="noStrike">
+              <a:latin typeface="Arial"/>
+            </a:endParaRPr>
+          </a:p>
+        </p:txBody>
+      </p:sp>
+      <p:sp>
+        <p:nvSpPr>
+          <p:cNvPr id="39" name="PlaceHolder 2"/>
+          <p:cNvSpPr>
+            <a:spLocks noGrp="1"/>
+          </p:cNvSpPr>
+          <p:nvPr>
+            <p:ph type="body"/>
+          </p:nvPr>
+        </p:nvSpPr>
+        <p:spPr>
+          <a:xfrm>
+            <a:off x="504000" y="1326600"/>
+            <a:ext cx="9071280" cy="3287880"/>
+          </a:xfrm>
+          <a:prstGeom prst="rect">
+            <a:avLst/>
+          </a:prstGeom>
+        </p:spPr>
+        <p:txBody>
+          <a:bodyPr lIns="0" rIns="0" tIns="0" bIns="0">
+            <a:normAutofit/>
+          </a:bodyPr>
+          <a:p>
+            <a:pPr marL="432000" indent="-324000" algn="ctr">
+              <a:spcBef>
+                <a:spcPts val="1417"/>
+              </a:spcBef>
+              <a:buClr>
+                <a:srgbClr val="000000"/>
+              </a:buClr>
+              <a:buSzPct val="45000"/>
+              <a:buFont typeface="Wingdings" charset="2"/>
+              <a:buChar char=""/>
+            </a:pPr>
+            <a:r>
+              <a:rPr b="0" lang="en-ID" sz="1800" spc="-1" strike="noStrike">
+                <a:latin typeface="Arial"/>
+              </a:rPr>
+              <a:t>Click to edit the outline text format</a:t>
+            </a:r>
+            <a:endParaRPr b="0" lang="en-ID" sz="1800" spc="-1" strike="noStrike">
+              <a:latin typeface="Arial"/>
+            </a:endParaRPr>
+          </a:p>
+          <a:p>
+            <a:pPr lvl="1" marL="864000" indent="-324000" algn="ctr">
+              <a:spcBef>
+                <a:spcPts val="1134"/>
+              </a:spcBef>
+              <a:buClr>
+                <a:srgbClr val="000000"/>
+              </a:buClr>
+              <a:buSzPct val="75000"/>
+              <a:buFont typeface="Symbol" charset="2"/>
+              <a:buChar char=""/>
+            </a:pPr>
+            <a:r>
+              <a:rPr b="0" lang="en-ID" sz="1800" spc="-1" strike="noStrike">
+                <a:latin typeface="Arial"/>
+              </a:rPr>
+              <a:t>Second Outline Level</a:t>
+            </a:r>
+            <a:endParaRPr b="0" lang="en-ID" sz="1800" spc="-1" strike="noStrike">
+              <a:latin typeface="Arial"/>
+            </a:endParaRPr>
+          </a:p>
+          <a:p>
+            <a:pPr lvl="2" marL="1296000" indent="-288000" algn="ctr">
+              <a:spcBef>
+                <a:spcPts val="850"/>
+              </a:spcBef>
+              <a:buClr>
+                <a:srgbClr val="000000"/>
+              </a:buClr>
+              <a:buSzPct val="45000"/>
+              <a:buFont typeface="Wingdings" charset="2"/>
+              <a:buChar char=""/>
+            </a:pPr>
+            <a:r>
+              <a:rPr b="0" lang="en-ID" sz="1800" spc="-1" strike="noStrike">
+                <a:latin typeface="Arial"/>
+              </a:rPr>
+              <a:t>Third Outline Level</a:t>
+            </a:r>
+            <a:endParaRPr b="0" lang="en-ID" sz="1800" spc="-1" strike="noStrike">
+              <a:latin typeface="Arial"/>
+            </a:endParaRPr>
+          </a:p>
+          <a:p>
+            <a:pPr lvl="3" marL="1728000" indent="-216000" algn="ctr">
+              <a:spcBef>
+                <a:spcPts val="567"/>
+              </a:spcBef>
+              <a:buClr>
+                <a:srgbClr val="000000"/>
+              </a:buClr>
+              <a:buSzPct val="75000"/>
+              <a:buFont typeface="Symbol" charset="2"/>
+              <a:buChar char=""/>
+            </a:pPr>
+            <a:r>
+              <a:rPr b="0" lang="en-ID" sz="1800" spc="-1" strike="noStrike">
+                <a:latin typeface="Arial"/>
+              </a:rPr>
+              <a:t>Fourth Outline Level</a:t>
+            </a:r>
+            <a:endParaRPr b="0" lang="en-ID" sz="1800" spc="-1" strike="noStrike">
+              <a:latin typeface="Arial"/>
+            </a:endParaRPr>
+          </a:p>
+          <a:p>
+            <a:pPr lvl="4" marL="2160000" indent="-216000" algn="ctr">
+              <a:spcBef>
+                <a:spcPts val="283"/>
+              </a:spcBef>
+              <a:buClr>
+                <a:srgbClr val="000000"/>
+              </a:buClr>
+              <a:buSzPct val="45000"/>
+              <a:buFont typeface="Wingdings" charset="2"/>
+              <a:buChar char=""/>
+            </a:pPr>
+            <a:r>
+              <a:rPr b="0" lang="en-ID" sz="1800" spc="-1" strike="noStrike">
+                <a:latin typeface="Arial"/>
+              </a:rPr>
+              <a:t>Fifth Outline Level</a:t>
+            </a:r>
+            <a:endParaRPr b="0" lang="en-ID" sz="1800" spc="-1" strike="noStrike">
+              <a:latin typeface="Arial"/>
+            </a:endParaRPr>
+          </a:p>
+          <a:p>
+            <a:pPr lvl="5" marL="2592000" indent="-216000" algn="ctr">
+              <a:spcBef>
+                <a:spcPts val="283"/>
+              </a:spcBef>
+              <a:buClr>
+                <a:srgbClr val="000000"/>
+              </a:buClr>
+              <a:buSzPct val="45000"/>
+              <a:buFont typeface="Wingdings" charset="2"/>
+              <a:buChar char=""/>
+            </a:pPr>
+            <a:r>
+              <a:rPr b="0" lang="en-ID" sz="1800" spc="-1" strike="noStrike">
+                <a:latin typeface="Arial"/>
+              </a:rPr>
+              <a:t>Sixth Outline Level</a:t>
+            </a:r>
+            <a:endParaRPr b="0" lang="en-ID" sz="1800" spc="-1" strike="noStrike">
+              <a:latin typeface="Arial"/>
+            </a:endParaRPr>
+          </a:p>
+          <a:p>
+            <a:pPr lvl="6" marL="3024000" indent="-216000" algn="ctr">
+              <a:spcBef>
+                <a:spcPts val="283"/>
+              </a:spcBef>
+              <a:buClr>
+                <a:srgbClr val="000000"/>
+              </a:buClr>
+              <a:buSzPct val="45000"/>
+              <a:buFont typeface="Wingdings" charset="2"/>
+              <a:buChar char=""/>
+            </a:pPr>
+            <a:r>
+              <a:rPr b="0" lang="en-ID" sz="1800" spc="-1" strike="noStrike">
+                <a:latin typeface="Arial"/>
+              </a:rPr>
+              <a:t>Seventh Outline Level</a:t>
+            </a:r>
+            <a:endParaRPr b="0" lang="en-ID" sz="1800" spc="-1" strike="noStrike">
+              <a:latin typeface="Arial"/>
+            </a:endParaRPr>
+          </a:p>
+        </p:txBody>
+      </p:sp>
+    </p:spTree>
+  </p:cSld>
+  <p:clrMap bg1="lt1" bg2="lt2" tx1="dk1" tx2="dk2" accent1="accent1" accent2="accent2" accent3="accent3" accent4="accent4" accent5="accent5" accent6="accent6" hlink="hlink" folHlink="folHlink"/>
+  <p:sldLayoutIdLst>
+    <p:sldLayoutId id="2147483662" r:id="rId2"/>
+    <p:sldLayoutId id="2147483663" r:id="rId3"/>
+    <p:sldLayoutId id="2147483664" r:id="rId4"/>
+    <p:sldLayoutId id="2147483665" r:id="rId5"/>
+    <p:sldLayoutId id="2147483666" r:id="rId6"/>
+    <p:sldLayoutId id="2147483667" r:id="rId7"/>
+    <p:sldLayoutId id="2147483668" r:id="rId8"/>
+    <p:sldLayoutId id="2147483669" r:id="rId9"/>
+    <p:sldLayoutId id="2147483670" r:id="rId10"/>
+    <p:sldLayoutId id="2147483671" r:id="rId11"/>
+    <p:sldLayoutId id="2147483672" r:id="rId12"/>
+    <p:sldLayoutId id="2147483673" r:id="rId13"/>
   </p:sldLayoutIdLst>
 </p:sldMaster>
 </file>
@@ -1760,14 +3264,14 @@
       </p:grpSpPr>
       <p:sp>
         <p:nvSpPr>
-          <p:cNvPr id="41" name="TextShape 1"/>
-          <p:cNvSpPr txBox="1"/>
+          <p:cNvPr id="76" name="CustomShape 1"/>
+          <p:cNvSpPr/>
           <p:nvPr/>
         </p:nvSpPr>
         <p:spPr>
           <a:xfrm>
             <a:off x="504000" y="226080"/>
-            <a:ext cx="9071640" cy="946440"/>
+            <a:ext cx="9071280" cy="946080"/>
           </a:xfrm>
           <a:prstGeom prst="rect">
             <a:avLst/>
@@ -1777,12 +3281,22 @@
             <a:noFill/>
           </a:ln>
         </p:spPr>
+        <p:style>
+          <a:lnRef idx="0"/>
+          <a:fillRef idx="0"/>
+          <a:effectRef idx="0"/>
+          <a:fontRef idx="minor"/>
+        </p:style>
         <p:txBody>
           <a:bodyPr lIns="0" rIns="0" tIns="0" bIns="0" anchor="ctr">
             <a:noAutofit/>
           </a:bodyPr>
           <a:p>
-            <a:pPr algn="ctr"/>
+            <a:pPr algn="ctr">
+              <a:lnSpc>
+                <a:spcPct val="100000"/>
+              </a:lnSpc>
+            </a:pPr>
             <a:r>
               <a:rPr b="0" lang="en-ID" sz="4400" spc="-1" strike="noStrike">
                 <a:latin typeface="Arial"/>
@@ -1797,7 +3311,7 @@
       </p:sp>
       <p:pic>
         <p:nvPicPr>
-          <p:cNvPr id="42" name="" descr=""/>
+          <p:cNvPr id="77" name="" descr=""/>
           <p:cNvPicPr/>
           <p:nvPr/>
         </p:nvPicPr>
@@ -1808,7 +3322,7 @@
         <p:spPr>
           <a:xfrm>
             <a:off x="2057400" y="1603080"/>
-            <a:ext cx="5668200" cy="2054520"/>
+            <a:ext cx="5667840" cy="2054160"/>
           </a:xfrm>
           <a:prstGeom prst="rect">
             <a:avLst/>
@@ -1820,14 +3334,14 @@
       </p:pic>
       <p:sp>
         <p:nvSpPr>
-          <p:cNvPr id="43" name="TextShape 2"/>
-          <p:cNvSpPr txBox="1"/>
+          <p:cNvPr id="78" name="CustomShape 2"/>
+          <p:cNvSpPr/>
           <p:nvPr/>
         </p:nvSpPr>
         <p:spPr>
           <a:xfrm>
             <a:off x="529560" y="4114800"/>
-            <a:ext cx="9071640" cy="946440"/>
+            <a:ext cx="9071280" cy="946080"/>
           </a:xfrm>
           <a:prstGeom prst="rect">
             <a:avLst/>
@@ -1837,12 +3351,22 @@
             <a:noFill/>
           </a:ln>
         </p:spPr>
+        <p:style>
+          <a:lnRef idx="0"/>
+          <a:fillRef idx="0"/>
+          <a:effectRef idx="0"/>
+          <a:fontRef idx="minor"/>
+        </p:style>
         <p:txBody>
           <a:bodyPr lIns="0" rIns="0" tIns="0" bIns="0" anchor="ctr">
             <a:noAutofit/>
           </a:bodyPr>
           <a:p>
-            <a:pPr algn="ctr"/>
+            <a:pPr algn="ctr">
+              <a:lnSpc>
+                <a:spcPct val="100000"/>
+              </a:lnSpc>
+            </a:pPr>
             <a:r>
               <a:rPr b="0" lang="en-ID" sz="2600" spc="-1" strike="noStrike">
                 <a:latin typeface="Arial"/>
@@ -1900,14 +3424,14 @@
       </p:grpSpPr>
       <p:sp>
         <p:nvSpPr>
-          <p:cNvPr id="66" name="TextShape 1"/>
-          <p:cNvSpPr txBox="1"/>
+          <p:cNvPr id="101" name="CustomShape 1"/>
+          <p:cNvSpPr/>
           <p:nvPr/>
         </p:nvSpPr>
         <p:spPr>
           <a:xfrm>
             <a:off x="504000" y="226080"/>
-            <a:ext cx="9071640" cy="946440"/>
+            <a:ext cx="9071280" cy="946080"/>
           </a:xfrm>
           <a:prstGeom prst="rect">
             <a:avLst/>
@@ -1917,17 +3441,27 @@
             <a:noFill/>
           </a:ln>
         </p:spPr>
+        <p:style>
+          <a:lnRef idx="0"/>
+          <a:fillRef idx="0"/>
+          <a:effectRef idx="0"/>
+          <a:fontRef idx="minor"/>
+        </p:style>
         <p:txBody>
           <a:bodyPr lIns="0" rIns="0" tIns="0" bIns="0" anchor="ctr">
             <a:noAutofit/>
           </a:bodyPr>
           <a:p>
-            <a:pPr algn="ctr"/>
+            <a:pPr algn="ctr">
+              <a:lnSpc>
+                <a:spcPct val="100000"/>
+              </a:lnSpc>
+            </a:pPr>
             <a:r>
               <a:rPr b="0" lang="en-ID" sz="4400" spc="-1" strike="noStrike">
                 <a:latin typeface="Arial"/>
               </a:rPr>
-              <a:t>Deployment</a:t>
+              <a:t>Deployment: Dashboard Flask</a:t>
             </a:r>
             <a:endParaRPr b="0" lang="en-ID" sz="4400" spc="-1" strike="noStrike">
               <a:latin typeface="Arial"/>
@@ -1935,9 +3469,46 @@
           </a:p>
         </p:txBody>
       </p:sp>
+      <p:sp>
+        <p:nvSpPr>
+          <p:cNvPr id="102" name="TextShape 2"/>
+          <p:cNvSpPr txBox="1"/>
+          <p:nvPr/>
+        </p:nvSpPr>
+        <p:spPr>
+          <a:xfrm>
+            <a:off x="3200400" y="1172160"/>
+            <a:ext cx="3657600" cy="346320"/>
+          </a:xfrm>
+          <a:prstGeom prst="rect">
+            <a:avLst/>
+          </a:prstGeom>
+          <a:noFill/>
+          <a:ln w="0">
+            <a:noFill/>
+          </a:ln>
+        </p:spPr>
+        <p:txBody>
+          <a:bodyPr lIns="90000" rIns="90000" tIns="45000" bIns="45000">
+            <a:noAutofit/>
+          </a:bodyPr>
+          <a:p>
+            <a:pPr algn="ctr"/>
+            <a:r>
+              <a:rPr b="0" lang="en-ID" sz="1800" spc="-1" strike="noStrike">
+                <a:latin typeface="Arial"/>
+              </a:rPr>
+              <a:t>Home</a:t>
+            </a:r>
+            <a:endParaRPr b="0" lang="en-ID" sz="1800" spc="-1" strike="noStrike">
+              <a:latin typeface="Arial"/>
+            </a:endParaRPr>
+          </a:p>
+        </p:txBody>
+      </p:sp>
       <p:pic>
         <p:nvPicPr>
-          <p:cNvPr id="67" name="" descr=""/>
+          <p:cNvPr id="103" name="" descr=""/>
           <p:cNvPicPr/>
           <p:nvPr/>
         </p:nvPicPr>
@@ -1947,8 +3518,8 @@
         </p:blipFill>
         <p:spPr>
           <a:xfrm>
-            <a:off x="2036160" y="1371600"/>
-            <a:ext cx="6193440" cy="2911320"/>
+            <a:off x="1600200" y="1600200"/>
+            <a:ext cx="6905520" cy="3498120"/>
           </a:xfrm>
           <a:prstGeom prst="rect">
             <a:avLst/>
@@ -1990,14 +3561,14 @@
       </p:grpSpPr>
       <p:sp>
         <p:nvSpPr>
-          <p:cNvPr id="68" name="TextShape 1"/>
+          <p:cNvPr id="104" name="TextShape 1"/>
           <p:cNvSpPr txBox="1"/>
           <p:nvPr/>
         </p:nvSpPr>
         <p:spPr>
           <a:xfrm>
             <a:off x="504000" y="226080"/>
-            <a:ext cx="9071640" cy="946440"/>
+            <a:ext cx="9071280" cy="946080"/>
           </a:xfrm>
           <a:prstGeom prst="rect">
             <a:avLst/>
@@ -2013,6 +3584,376 @@
           </a:bodyPr>
           <a:p>
             <a:pPr algn="ctr"/>
+            <a:r>
+              <a:rPr b="0" lang="en-ID" sz="4400" spc="-1" strike="noStrike">
+                <a:latin typeface="Arial"/>
+              </a:rPr>
+              <a:t>Dataset</a:t>
+            </a:r>
+            <a:endParaRPr b="0" lang="en-ID" sz="4400" spc="-1" strike="noStrike">
+              <a:latin typeface="Arial"/>
+            </a:endParaRPr>
+          </a:p>
+        </p:txBody>
+      </p:sp>
+      <p:pic>
+        <p:nvPicPr>
+          <p:cNvPr id="105" name="" descr=""/>
+          <p:cNvPicPr/>
+          <p:nvPr/>
+        </p:nvPicPr>
+        <p:blipFill>
+          <a:blip r:embed="rId1"/>
+          <a:stretch/>
+        </p:blipFill>
+        <p:spPr>
+          <a:xfrm>
+            <a:off x="1524600" y="1326240"/>
+            <a:ext cx="7029720" cy="3287880"/>
+          </a:xfrm>
+          <a:prstGeom prst="rect">
+            <a:avLst/>
+          </a:prstGeom>
+          <a:ln w="0">
+            <a:noFill/>
+          </a:ln>
+        </p:spPr>
+      </p:pic>
+    </p:spTree>
+  </p:cSld>
+  <mc:AlternateContent>
+    <mc:Choice Requires="p14">
+      <p:transition spd="slow" p14:dur="2000"/>
+    </mc:Choice>
+    <mc:Fallback>
+      <p:transition spd="slow"/>
+    </mc:Fallback>
+  </mc:AlternateContent>
+</p:sld>
+</file>
+
+<file path=ppt/slides/slide12.xml><?xml version="1.0" encoding="utf-8"?>
+<p:sld xmlns:a="http://schemas.openxmlformats.org/drawingml/2006/main" xmlns:p="http://schemas.openxmlformats.org/presentationml/2006/main" xmlns:r="http://schemas.openxmlformats.org/officeDocument/2006/relationships" xmlns:p14="http://schemas.microsoft.com/office/powerpoint/2010/main" xmlns:p15="http://schemas.microsoft.com/office/powerpoint/2012/main" xmlns:mc="http://schemas.openxmlformats.org/markup-compatibility/2006">
+  <p:cSld>
+    <p:spTree>
+      <p:nvGrpSpPr>
+        <p:cNvPr id="1" name=""/>
+        <p:cNvGrpSpPr/>
+        <p:nvPr/>
+      </p:nvGrpSpPr>
+      <p:grpSpPr>
+        <a:xfrm>
+          <a:off x="0" y="0"/>
+          <a:ext cx="0" cy="0"/>
+          <a:chOff x="0" y="0"/>
+          <a:chExt cx="0" cy="0"/>
+        </a:xfrm>
+      </p:grpSpPr>
+      <p:sp>
+        <p:nvSpPr>
+          <p:cNvPr id="106" name="TextShape 1"/>
+          <p:cNvSpPr txBox="1"/>
+          <p:nvPr/>
+        </p:nvSpPr>
+        <p:spPr>
+          <a:xfrm>
+            <a:off x="504000" y="226080"/>
+            <a:ext cx="9071280" cy="946080"/>
+          </a:xfrm>
+          <a:prstGeom prst="rect">
+            <a:avLst/>
+          </a:prstGeom>
+          <a:noFill/>
+          <a:ln w="0">
+            <a:noFill/>
+          </a:ln>
+        </p:spPr>
+        <p:txBody>
+          <a:bodyPr lIns="0" rIns="0" tIns="0" bIns="0" anchor="ctr">
+            <a:noAutofit/>
+          </a:bodyPr>
+          <a:p>
+            <a:pPr algn="ctr"/>
+            <a:r>
+              <a:rPr b="0" lang="en-ID" sz="4400" spc="-1" strike="noStrike">
+                <a:latin typeface="Arial"/>
+              </a:rPr>
+              <a:t>Visualisasi</a:t>
+            </a:r>
+            <a:endParaRPr b="0" lang="en-ID" sz="4400" spc="-1" strike="noStrike">
+              <a:latin typeface="Arial"/>
+            </a:endParaRPr>
+          </a:p>
+        </p:txBody>
+      </p:sp>
+      <p:pic>
+        <p:nvPicPr>
+          <p:cNvPr id="107" name="" descr=""/>
+          <p:cNvPicPr/>
+          <p:nvPr/>
+        </p:nvPicPr>
+        <p:blipFill>
+          <a:blip r:embed="rId1"/>
+          <a:stretch/>
+        </p:blipFill>
+        <p:spPr>
+          <a:xfrm>
+            <a:off x="1102680" y="1326240"/>
+            <a:ext cx="7873920" cy="3287880"/>
+          </a:xfrm>
+          <a:prstGeom prst="rect">
+            <a:avLst/>
+          </a:prstGeom>
+          <a:ln w="0">
+            <a:noFill/>
+          </a:ln>
+        </p:spPr>
+      </p:pic>
+    </p:spTree>
+  </p:cSld>
+  <mc:AlternateContent>
+    <mc:Choice Requires="p14">
+      <p:transition spd="slow" p14:dur="2000"/>
+    </mc:Choice>
+    <mc:Fallback>
+      <p:transition spd="slow"/>
+    </mc:Fallback>
+  </mc:AlternateContent>
+</p:sld>
+</file>
+
+<file path=ppt/slides/slide13.xml><?xml version="1.0" encoding="utf-8"?>
+<p:sld xmlns:a="http://schemas.openxmlformats.org/drawingml/2006/main" xmlns:p="http://schemas.openxmlformats.org/presentationml/2006/main" xmlns:r="http://schemas.openxmlformats.org/officeDocument/2006/relationships" xmlns:p14="http://schemas.microsoft.com/office/powerpoint/2010/main" xmlns:p15="http://schemas.microsoft.com/office/powerpoint/2012/main" xmlns:mc="http://schemas.openxmlformats.org/markup-compatibility/2006">
+  <p:cSld>
+    <p:spTree>
+      <p:nvGrpSpPr>
+        <p:cNvPr id="1" name=""/>
+        <p:cNvGrpSpPr/>
+        <p:nvPr/>
+      </p:nvGrpSpPr>
+      <p:grpSpPr>
+        <a:xfrm>
+          <a:off x="0" y="0"/>
+          <a:ext cx="0" cy="0"/>
+          <a:chOff x="0" y="0"/>
+          <a:chExt cx="0" cy="0"/>
+        </a:xfrm>
+      </p:grpSpPr>
+      <p:sp>
+        <p:nvSpPr>
+          <p:cNvPr id="108" name="TextShape 1"/>
+          <p:cNvSpPr txBox="1"/>
+          <p:nvPr/>
+        </p:nvSpPr>
+        <p:spPr>
+          <a:xfrm>
+            <a:off x="504000" y="226080"/>
+            <a:ext cx="9071280" cy="946080"/>
+          </a:xfrm>
+          <a:prstGeom prst="rect">
+            <a:avLst/>
+          </a:prstGeom>
+          <a:noFill/>
+          <a:ln w="0">
+            <a:noFill/>
+          </a:ln>
+        </p:spPr>
+        <p:txBody>
+          <a:bodyPr lIns="0" rIns="0" tIns="0" bIns="0" anchor="ctr">
+            <a:noAutofit/>
+          </a:bodyPr>
+          <a:p>
+            <a:pPr algn="ctr"/>
+            <a:r>
+              <a:rPr b="0" lang="en-ID" sz="4400" spc="-1" strike="noStrike">
+                <a:latin typeface="Arial"/>
+              </a:rPr>
+              <a:t>Prediciton</a:t>
+            </a:r>
+            <a:endParaRPr b="0" lang="en-ID" sz="4400" spc="-1" strike="noStrike">
+              <a:latin typeface="Arial"/>
+            </a:endParaRPr>
+          </a:p>
+        </p:txBody>
+      </p:sp>
+      <p:pic>
+        <p:nvPicPr>
+          <p:cNvPr id="109" name="" descr=""/>
+          <p:cNvPicPr/>
+          <p:nvPr/>
+        </p:nvPicPr>
+        <p:blipFill>
+          <a:blip r:embed="rId1"/>
+          <a:stretch/>
+        </p:blipFill>
+        <p:spPr>
+          <a:xfrm>
+            <a:off x="1672560" y="1326240"/>
+            <a:ext cx="6734160" cy="3287880"/>
+          </a:xfrm>
+          <a:prstGeom prst="rect">
+            <a:avLst/>
+          </a:prstGeom>
+          <a:ln w="0">
+            <a:noFill/>
+          </a:ln>
+        </p:spPr>
+      </p:pic>
+    </p:spTree>
+  </p:cSld>
+  <mc:AlternateContent>
+    <mc:Choice Requires="p14">
+      <p:transition spd="slow" p14:dur="2000"/>
+    </mc:Choice>
+    <mc:Fallback>
+      <p:transition spd="slow"/>
+    </mc:Fallback>
+  </mc:AlternateContent>
+</p:sld>
+</file>
+
+<file path=ppt/slides/slide14.xml><?xml version="1.0" encoding="utf-8"?>
+<p:sld xmlns:a="http://schemas.openxmlformats.org/drawingml/2006/main" xmlns:p="http://schemas.openxmlformats.org/presentationml/2006/main" xmlns:r="http://schemas.openxmlformats.org/officeDocument/2006/relationships" xmlns:p14="http://schemas.microsoft.com/office/powerpoint/2010/main" xmlns:p15="http://schemas.microsoft.com/office/powerpoint/2012/main" xmlns:mc="http://schemas.openxmlformats.org/markup-compatibility/2006">
+  <p:cSld>
+    <p:spTree>
+      <p:nvGrpSpPr>
+        <p:cNvPr id="1" name=""/>
+        <p:cNvGrpSpPr/>
+        <p:nvPr/>
+      </p:nvGrpSpPr>
+      <p:grpSpPr>
+        <a:xfrm>
+          <a:off x="0" y="0"/>
+          <a:ext cx="0" cy="0"/>
+          <a:chOff x="0" y="0"/>
+          <a:chExt cx="0" cy="0"/>
+        </a:xfrm>
+      </p:grpSpPr>
+      <p:sp>
+        <p:nvSpPr>
+          <p:cNvPr id="110" name="TextShape 1"/>
+          <p:cNvSpPr txBox="1"/>
+          <p:nvPr/>
+        </p:nvSpPr>
+        <p:spPr>
+          <a:xfrm>
+            <a:off x="504000" y="226080"/>
+            <a:ext cx="9071280" cy="946080"/>
+          </a:xfrm>
+          <a:prstGeom prst="rect">
+            <a:avLst/>
+          </a:prstGeom>
+          <a:noFill/>
+          <a:ln w="0">
+            <a:noFill/>
+          </a:ln>
+        </p:spPr>
+        <p:txBody>
+          <a:bodyPr lIns="0" rIns="0" tIns="0" bIns="0" anchor="ctr">
+            <a:noAutofit/>
+          </a:bodyPr>
+          <a:p>
+            <a:pPr algn="ctr"/>
+            <a:r>
+              <a:rPr b="0" lang="en-ID" sz="4400" spc="-1" strike="noStrike">
+                <a:latin typeface="Arial"/>
+              </a:rPr>
+              <a:t>Result</a:t>
+            </a:r>
+            <a:endParaRPr b="0" lang="en-ID" sz="4400" spc="-1" strike="noStrike">
+              <a:latin typeface="Arial"/>
+            </a:endParaRPr>
+          </a:p>
+        </p:txBody>
+      </p:sp>
+      <p:pic>
+        <p:nvPicPr>
+          <p:cNvPr id="111" name="" descr=""/>
+          <p:cNvPicPr/>
+          <p:nvPr/>
+        </p:nvPicPr>
+        <p:blipFill>
+          <a:blip r:embed="rId1"/>
+          <a:stretch/>
+        </p:blipFill>
+        <p:spPr>
+          <a:xfrm>
+            <a:off x="1749240" y="1326240"/>
+            <a:ext cx="6580800" cy="3287880"/>
+          </a:xfrm>
+          <a:prstGeom prst="rect">
+            <a:avLst/>
+          </a:prstGeom>
+          <a:ln w="0">
+            <a:noFill/>
+          </a:ln>
+        </p:spPr>
+      </p:pic>
+    </p:spTree>
+  </p:cSld>
+  <mc:AlternateContent>
+    <mc:Choice Requires="p14">
+      <p:transition spd="slow" p14:dur="2000"/>
+    </mc:Choice>
+    <mc:Fallback>
+      <p:transition spd="slow"/>
+    </mc:Fallback>
+  </mc:AlternateContent>
+</p:sld>
+</file>
+
+<file path=ppt/slides/slide15.xml><?xml version="1.0" encoding="utf-8"?>
+<p:sld xmlns:a="http://schemas.openxmlformats.org/drawingml/2006/main" xmlns:p="http://schemas.openxmlformats.org/presentationml/2006/main" xmlns:r="http://schemas.openxmlformats.org/officeDocument/2006/relationships" xmlns:p14="http://schemas.microsoft.com/office/powerpoint/2010/main" xmlns:p15="http://schemas.microsoft.com/office/powerpoint/2012/main" xmlns:mc="http://schemas.openxmlformats.org/markup-compatibility/2006">
+  <p:cSld>
+    <p:spTree>
+      <p:nvGrpSpPr>
+        <p:cNvPr id="1" name=""/>
+        <p:cNvGrpSpPr/>
+        <p:nvPr/>
+      </p:nvGrpSpPr>
+      <p:grpSpPr>
+        <a:xfrm>
+          <a:off x="0" y="0"/>
+          <a:ext cx="0" cy="0"/>
+          <a:chOff x="0" y="0"/>
+          <a:chExt cx="0" cy="0"/>
+        </a:xfrm>
+      </p:grpSpPr>
+      <p:sp>
+        <p:nvSpPr>
+          <p:cNvPr id="112" name="CustomShape 1"/>
+          <p:cNvSpPr/>
+          <p:nvPr/>
+        </p:nvSpPr>
+        <p:spPr>
+          <a:xfrm>
+            <a:off x="504000" y="226080"/>
+            <a:ext cx="9071280" cy="946080"/>
+          </a:xfrm>
+          <a:prstGeom prst="rect">
+            <a:avLst/>
+          </a:prstGeom>
+          <a:noFill/>
+          <a:ln w="0">
+            <a:noFill/>
+          </a:ln>
+        </p:spPr>
+        <p:style>
+          <a:lnRef idx="0"/>
+          <a:fillRef idx="0"/>
+          <a:effectRef idx="0"/>
+          <a:fontRef idx="minor"/>
+        </p:style>
+        <p:txBody>
+          <a:bodyPr lIns="0" rIns="0" tIns="0" bIns="0" anchor="ctr">
+            <a:noAutofit/>
+          </a:bodyPr>
+          <a:p>
+            <a:pPr algn="ctr">
+              <a:lnSpc>
+                <a:spcPct val="100000"/>
+              </a:lnSpc>
+            </a:pPr>
             <a:r>
               <a:rPr b="0" lang="en-ID" sz="4400" spc="-1" strike="noStrike">
                 <a:latin typeface="Arial"/>
@@ -2027,14 +3968,14 @@
       </p:sp>
       <p:sp>
         <p:nvSpPr>
-          <p:cNvPr id="69" name="TextShape 2"/>
-          <p:cNvSpPr txBox="1"/>
+          <p:cNvPr id="113" name="CustomShape 2"/>
+          <p:cNvSpPr/>
           <p:nvPr/>
         </p:nvSpPr>
         <p:spPr>
           <a:xfrm>
             <a:off x="504000" y="1326600"/>
-            <a:ext cx="9071640" cy="3288240"/>
+            <a:ext cx="9071280" cy="3287880"/>
           </a:xfrm>
           <a:prstGeom prst="rect">
             <a:avLst/>
@@ -2044,12 +3985,21 @@
             <a:noFill/>
           </a:ln>
         </p:spPr>
+        <p:style>
+          <a:lnRef idx="0"/>
+          <a:fillRef idx="0"/>
+          <a:effectRef idx="0"/>
+          <a:fontRef idx="minor"/>
+        </p:style>
         <p:txBody>
           <a:bodyPr lIns="0" rIns="0" tIns="0" bIns="0">
             <a:normAutofit/>
           </a:bodyPr>
           <a:p>
-            <a:pPr marL="432000" indent="-324000">
+            <a:pPr marL="432000" indent="-323640">
+              <a:lnSpc>
+                <a:spcPct val="100000"/>
+              </a:lnSpc>
               <a:spcBef>
                 <a:spcPts val="1417"/>
               </a:spcBef>
@@ -2071,7 +4021,10 @@
             </a:endParaRPr>
           </a:p>
           <a:p>
-            <a:pPr marL="432000" indent="-324000">
+            <a:pPr marL="432000" indent="-323640">
+              <a:lnSpc>
+                <a:spcPct val="100000"/>
+              </a:lnSpc>
               <a:spcBef>
                 <a:spcPts val="1417"/>
               </a:spcBef>
@@ -2093,7 +4046,10 @@
             </a:endParaRPr>
           </a:p>
           <a:p>
-            <a:pPr marL="432000" indent="-324000">
+            <a:pPr marL="432000" indent="-323640">
+              <a:lnSpc>
+                <a:spcPct val="100000"/>
+              </a:lnSpc>
               <a:spcBef>
                 <a:spcPts val="1417"/>
               </a:spcBef>
@@ -2148,14 +4104,14 @@
       </p:grpSpPr>
       <p:sp>
         <p:nvSpPr>
-          <p:cNvPr id="44" name="TextShape 1"/>
-          <p:cNvSpPr txBox="1"/>
+          <p:cNvPr id="79" name="CustomShape 1"/>
+          <p:cNvSpPr/>
           <p:nvPr/>
         </p:nvSpPr>
         <p:spPr>
           <a:xfrm>
             <a:off x="504000" y="226080"/>
-            <a:ext cx="9071640" cy="946440"/>
+            <a:ext cx="9071280" cy="946080"/>
           </a:xfrm>
           <a:prstGeom prst="rect">
             <a:avLst/>
@@ -2165,12 +4121,22 @@
             <a:noFill/>
           </a:ln>
         </p:spPr>
+        <p:style>
+          <a:lnRef idx="0"/>
+          <a:fillRef idx="0"/>
+          <a:effectRef idx="0"/>
+          <a:fontRef idx="minor"/>
+        </p:style>
         <p:txBody>
           <a:bodyPr lIns="0" rIns="0" tIns="0" bIns="0" anchor="ctr">
             <a:noAutofit/>
           </a:bodyPr>
           <a:p>
-            <a:pPr algn="ctr"/>
+            <a:pPr algn="ctr">
+              <a:lnSpc>
+                <a:spcPct val="100000"/>
+              </a:lnSpc>
+            </a:pPr>
             <a:r>
               <a:rPr b="0" lang="en-ID" sz="4400" spc="-1" strike="noStrike">
                 <a:latin typeface="Arial"/>
@@ -2185,7 +4151,7 @@
       </p:sp>
       <p:pic>
         <p:nvPicPr>
-          <p:cNvPr id="45" name="" descr=""/>
+          <p:cNvPr id="80" name="" descr=""/>
           <p:cNvPicPr/>
           <p:nvPr/>
         </p:nvPicPr>
@@ -2196,7 +4162,7 @@
         <p:spPr>
           <a:xfrm>
             <a:off x="1828800" y="1600200"/>
-            <a:ext cx="6312600" cy="3052080"/>
+            <a:ext cx="6312240" cy="3051720"/>
           </a:xfrm>
           <a:prstGeom prst="rect">
             <a:avLst/>
@@ -2238,14 +4204,14 @@
       </p:grpSpPr>
       <p:sp>
         <p:nvSpPr>
-          <p:cNvPr id="46" name="TextShape 1"/>
-          <p:cNvSpPr txBox="1"/>
+          <p:cNvPr id="81" name="CustomShape 1"/>
+          <p:cNvSpPr/>
           <p:nvPr/>
         </p:nvSpPr>
         <p:spPr>
           <a:xfrm>
             <a:off x="504000" y="226080"/>
-            <a:ext cx="9071640" cy="946440"/>
+            <a:ext cx="9071280" cy="946080"/>
           </a:xfrm>
           <a:prstGeom prst="rect">
             <a:avLst/>
@@ -2255,12 +4221,22 @@
             <a:noFill/>
           </a:ln>
         </p:spPr>
+        <p:style>
+          <a:lnRef idx="0"/>
+          <a:fillRef idx="0"/>
+          <a:effectRef idx="0"/>
+          <a:fontRef idx="minor"/>
+        </p:style>
         <p:txBody>
           <a:bodyPr lIns="0" rIns="0" tIns="0" bIns="0" anchor="ctr">
             <a:noAutofit/>
           </a:bodyPr>
           <a:p>
-            <a:pPr algn="ctr"/>
+            <a:pPr algn="ctr">
+              <a:lnSpc>
+                <a:spcPct val="100000"/>
+              </a:lnSpc>
+            </a:pPr>
             <a:r>
               <a:rPr b="0" lang="en-ID" sz="4400" spc="-1" strike="noStrike">
                 <a:latin typeface="Arial"/>
@@ -2275,14 +4251,14 @@
       </p:sp>
       <p:sp>
         <p:nvSpPr>
-          <p:cNvPr id="47" name="TextShape 2"/>
-          <p:cNvSpPr txBox="1"/>
+          <p:cNvPr id="82" name="CustomShape 2"/>
+          <p:cNvSpPr/>
           <p:nvPr/>
         </p:nvSpPr>
         <p:spPr>
           <a:xfrm>
             <a:off x="504000" y="1326600"/>
-            <a:ext cx="9071640" cy="3288240"/>
+            <a:ext cx="9071280" cy="3287880"/>
           </a:xfrm>
           <a:prstGeom prst="rect">
             <a:avLst/>
@@ -2292,28 +4268,34 @@
             <a:noFill/>
           </a:ln>
         </p:spPr>
+        <p:style>
+          <a:lnRef idx="0"/>
+          <a:fillRef idx="0"/>
+          <a:effectRef idx="0"/>
+          <a:fontRef idx="minor"/>
+        </p:style>
         <p:txBody>
           <a:bodyPr lIns="0" rIns="0" tIns="0" bIns="0">
-            <a:normAutofit fontScale="20000"/>
-          </a:bodyPr>
-          <a:p>
-            <a:pPr marL="432000" indent="-324000">
+            <a:normAutofit fontScale="19000"/>
+          </a:bodyPr>
+          <a:p>
+            <a:pPr>
+              <a:lnSpc>
+                <a:spcPct val="100000"/>
+              </a:lnSpc>
               <a:spcBef>
                 <a:spcPts val="1417"/>
               </a:spcBef>
-              <a:buClr>
-                <a:srgbClr val="000000"/>
-              </a:buClr>
-              <a:buSzPct val="45000"/>
-              <a:buFont typeface="Wingdings" charset="2"/>
-              <a:buChar char=""/>
             </a:pPr>
-            <a:endParaRPr b="0" lang="en-ID" sz="3200" spc="-1" strike="noStrike">
-              <a:latin typeface="Arial"/>
-            </a:endParaRPr>
-          </a:p>
-          <a:p>
-            <a:pPr marL="432000" indent="-324000">
+            <a:endParaRPr b="0" lang="en-ID" sz="1800" spc="-1" strike="noStrike">
+              <a:latin typeface="Arial"/>
+            </a:endParaRPr>
+          </a:p>
+          <a:p>
+            <a:pPr marL="432000" indent="-323640">
+              <a:lnSpc>
+                <a:spcPct val="100000"/>
+              </a:lnSpc>
               <a:spcBef>
                 <a:spcPts val="1417"/>
               </a:spcBef>
@@ -2335,7 +4317,10 @@
             </a:endParaRPr>
           </a:p>
           <a:p>
-            <a:pPr marL="432000" indent="-324000">
+            <a:pPr marL="432000" indent="-323640">
+              <a:lnSpc>
+                <a:spcPct val="100000"/>
+              </a:lnSpc>
               <a:spcBef>
                 <a:spcPts val="1417"/>
               </a:spcBef>
@@ -2357,7 +4342,10 @@
             </a:endParaRPr>
           </a:p>
           <a:p>
-            <a:pPr lvl="1" marL="864000" indent="-324000">
+            <a:pPr lvl="1" marL="864000" indent="-323640">
+              <a:lnSpc>
+                <a:spcPct val="100000"/>
+              </a:lnSpc>
               <a:spcBef>
                 <a:spcPts val="1134"/>
               </a:spcBef>
@@ -2365,7 +4353,7 @@
                 <a:srgbClr val="000000"/>
               </a:buClr>
               <a:buSzPct val="75000"/>
-              <a:buFont typeface="Symbol" charset="2"/>
+              <a:buFont typeface="Symbol"/>
               <a:buChar char=""/>
             </a:pPr>
             <a:r>
@@ -2379,7 +4367,10 @@
             </a:endParaRPr>
           </a:p>
           <a:p>
-            <a:pPr lvl="1" marL="864000" indent="-324000">
+            <a:pPr lvl="1" marL="864000" indent="-323640">
+              <a:lnSpc>
+                <a:spcPct val="100000"/>
+              </a:lnSpc>
               <a:spcBef>
                 <a:spcPts val="1134"/>
               </a:spcBef>
@@ -2387,7 +4378,7 @@
                 <a:srgbClr val="000000"/>
               </a:buClr>
               <a:buSzPct val="75000"/>
-              <a:buFont typeface="Symbol" charset="2"/>
+              <a:buFont typeface="Symbol"/>
               <a:buChar char=""/>
             </a:pPr>
             <a:r>
@@ -2401,7 +4392,10 @@
             </a:endParaRPr>
           </a:p>
           <a:p>
-            <a:pPr lvl="1" marL="864000" indent="-324000">
+            <a:pPr lvl="1" marL="864000" indent="-323640">
+              <a:lnSpc>
+                <a:spcPct val="100000"/>
+              </a:lnSpc>
               <a:spcBef>
                 <a:spcPts val="1134"/>
               </a:spcBef>
@@ -2409,7 +4403,7 @@
                 <a:srgbClr val="000000"/>
               </a:buClr>
               <a:buSzPct val="75000"/>
-              <a:buFont typeface="Symbol" charset="2"/>
+              <a:buFont typeface="Symbol"/>
               <a:buChar char=""/>
             </a:pPr>
             <a:r>
@@ -2423,7 +4417,10 @@
             </a:endParaRPr>
           </a:p>
           <a:p>
-            <a:pPr lvl="1" marL="864000" indent="-324000">
+            <a:pPr lvl="1" marL="864000" indent="-323640">
+              <a:lnSpc>
+                <a:spcPct val="100000"/>
+              </a:lnSpc>
               <a:spcBef>
                 <a:spcPts val="1134"/>
               </a:spcBef>
@@ -2431,7 +4428,7 @@
                 <a:srgbClr val="000000"/>
               </a:buClr>
               <a:buSzPct val="75000"/>
-              <a:buFont typeface="Symbol" charset="2"/>
+              <a:buFont typeface="Symbol"/>
               <a:buChar char=""/>
             </a:pPr>
             <a:r>
@@ -2445,7 +4442,10 @@
             </a:endParaRPr>
           </a:p>
           <a:p>
-            <a:pPr marL="432000" indent="-324000">
+            <a:pPr marL="432000" indent="-323640">
+              <a:lnSpc>
+                <a:spcPct val="100000"/>
+              </a:lnSpc>
               <a:spcBef>
                 <a:spcPts val="1417"/>
               </a:spcBef>
@@ -2467,7 +4467,10 @@
             </a:endParaRPr>
           </a:p>
           <a:p>
-            <a:pPr lvl="1" marL="864000" indent="-324000">
+            <a:pPr lvl="1" marL="864000" indent="-323640">
+              <a:lnSpc>
+                <a:spcPct val="100000"/>
+              </a:lnSpc>
               <a:spcBef>
                 <a:spcPts val="1134"/>
               </a:spcBef>
@@ -2475,7 +4478,7 @@
                 <a:srgbClr val="000000"/>
               </a:buClr>
               <a:buSzPct val="75000"/>
-              <a:buFont typeface="Symbol" charset="2"/>
+              <a:buFont typeface="Symbol"/>
               <a:buChar char=""/>
             </a:pPr>
             <a:r>
@@ -2489,7 +4492,10 @@
             </a:endParaRPr>
           </a:p>
           <a:p>
-            <a:pPr lvl="1" marL="864000" indent="-324000">
+            <a:pPr lvl="1" marL="864000" indent="-323640">
+              <a:lnSpc>
+                <a:spcPct val="100000"/>
+              </a:lnSpc>
               <a:spcBef>
                 <a:spcPts val="1134"/>
               </a:spcBef>
@@ -2497,7 +4503,7 @@
                 <a:srgbClr val="000000"/>
               </a:buClr>
               <a:buSzPct val="75000"/>
-              <a:buFont typeface="Symbol" charset="2"/>
+              <a:buFont typeface="Symbol"/>
               <a:buChar char=""/>
             </a:pPr>
             <a:r>
@@ -2511,7 +4517,10 @@
             </a:endParaRPr>
           </a:p>
           <a:p>
-            <a:pPr lvl="1" marL="864000" indent="-324000">
+            <a:pPr lvl="1" marL="864000" indent="-323640">
+              <a:lnSpc>
+                <a:spcPct val="100000"/>
+              </a:lnSpc>
               <a:spcBef>
                 <a:spcPts val="1134"/>
               </a:spcBef>
@@ -2519,7 +4528,7 @@
                 <a:srgbClr val="000000"/>
               </a:buClr>
               <a:buSzPct val="75000"/>
-              <a:buFont typeface="Symbol" charset="2"/>
+              <a:buFont typeface="Symbol"/>
               <a:buChar char=""/>
             </a:pPr>
             <a:r>
@@ -2533,7 +4542,10 @@
             </a:endParaRPr>
           </a:p>
           <a:p>
-            <a:pPr marL="432000" indent="-324000">
+            <a:pPr marL="432000" indent="-323640">
+              <a:lnSpc>
+                <a:spcPct val="100000"/>
+              </a:lnSpc>
               <a:spcBef>
                 <a:spcPts val="1417"/>
               </a:spcBef>
@@ -2555,7 +4567,10 @@
             </a:endParaRPr>
           </a:p>
           <a:p>
-            <a:pPr lvl="1" marL="864000" indent="-324000">
+            <a:pPr lvl="1" marL="864000" indent="-323640">
+              <a:lnSpc>
+                <a:spcPct val="100000"/>
+              </a:lnSpc>
               <a:spcBef>
                 <a:spcPts val="1134"/>
               </a:spcBef>
@@ -2563,7 +4578,7 @@
                 <a:srgbClr val="000000"/>
               </a:buClr>
               <a:buSzPct val="75000"/>
-              <a:buFont typeface="Symbol" charset="2"/>
+              <a:buFont typeface="Symbol"/>
               <a:buChar char=""/>
             </a:pPr>
             <a:r>
@@ -2577,7 +4592,10 @@
             </a:endParaRPr>
           </a:p>
           <a:p>
-            <a:pPr lvl="1" marL="864000" indent="-324000">
+            <a:pPr lvl="1" marL="864000" indent="-323640">
+              <a:lnSpc>
+                <a:spcPct val="100000"/>
+              </a:lnSpc>
               <a:spcBef>
                 <a:spcPts val="1134"/>
               </a:spcBef>
@@ -2585,7 +4603,7 @@
                 <a:srgbClr val="000000"/>
               </a:buClr>
               <a:buSzPct val="75000"/>
-              <a:buFont typeface="Symbol" charset="2"/>
+              <a:buFont typeface="Symbol"/>
               <a:buChar char=""/>
             </a:pPr>
             <a:r>
@@ -2632,14 +4650,14 @@
       </p:grpSpPr>
       <p:sp>
         <p:nvSpPr>
-          <p:cNvPr id="48" name="TextShape 1"/>
-          <p:cNvSpPr txBox="1"/>
+          <p:cNvPr id="83" name="CustomShape 1"/>
+          <p:cNvSpPr/>
           <p:nvPr/>
         </p:nvSpPr>
         <p:spPr>
           <a:xfrm>
             <a:off x="504000" y="226080"/>
-            <a:ext cx="9071640" cy="946440"/>
+            <a:ext cx="9071280" cy="946080"/>
           </a:xfrm>
           <a:prstGeom prst="rect">
             <a:avLst/>
@@ -2649,12 +4667,22 @@
             <a:noFill/>
           </a:ln>
         </p:spPr>
+        <p:style>
+          <a:lnRef idx="0"/>
+          <a:fillRef idx="0"/>
+          <a:effectRef idx="0"/>
+          <a:fontRef idx="minor"/>
+        </p:style>
         <p:txBody>
           <a:bodyPr lIns="0" rIns="0" tIns="0" bIns="0" anchor="ctr">
             <a:noAutofit/>
           </a:bodyPr>
           <a:p>
-            <a:pPr algn="ctr"/>
+            <a:pPr algn="ctr">
+              <a:lnSpc>
+                <a:spcPct val="100000"/>
+              </a:lnSpc>
+            </a:pPr>
             <a:r>
               <a:rPr b="0" lang="en-ID" sz="4400" spc="-1" strike="noStrike">
                 <a:latin typeface="Arial"/>
@@ -2669,14 +4697,14 @@
       </p:sp>
       <p:sp>
         <p:nvSpPr>
-          <p:cNvPr id="49" name="TextShape 2"/>
-          <p:cNvSpPr txBox="1"/>
+          <p:cNvPr id="84" name="CustomShape 2"/>
+          <p:cNvSpPr/>
           <p:nvPr/>
         </p:nvSpPr>
         <p:spPr>
           <a:xfrm>
             <a:off x="457200" y="1600200"/>
-            <a:ext cx="9144000" cy="457200"/>
+            <a:ext cx="9143640" cy="456840"/>
           </a:xfrm>
           <a:prstGeom prst="rect">
             <a:avLst/>
@@ -2686,12 +4714,21 @@
             <a:noFill/>
           </a:ln>
         </p:spPr>
+        <p:style>
+          <a:lnRef idx="0"/>
+          <a:fillRef idx="0"/>
+          <a:effectRef idx="0"/>
+          <a:fontRef idx="minor"/>
+        </p:style>
         <p:txBody>
           <a:bodyPr lIns="0" rIns="0" tIns="0" bIns="0">
             <a:normAutofit fontScale="15000"/>
           </a:bodyPr>
           <a:p>
-            <a:pPr marL="432000" indent="-324000">
+            <a:pPr marL="432000" indent="-323640">
+              <a:lnSpc>
+                <a:spcPct val="100000"/>
+              </a:lnSpc>
               <a:spcBef>
                 <a:spcPts val="1417"/>
               </a:spcBef>
@@ -2713,7 +4750,10 @@
             </a:endParaRPr>
           </a:p>
           <a:p>
-            <a:pPr marL="432000" indent="-324000">
+            <a:pPr marL="432000" indent="-323640">
+              <a:lnSpc>
+                <a:spcPct val="100000"/>
+              </a:lnSpc>
               <a:spcBef>
                 <a:spcPts val="1417"/>
               </a:spcBef>
@@ -2738,7 +4778,7 @@
       </p:sp>
       <p:pic>
         <p:nvPicPr>
-          <p:cNvPr id="50" name="" descr=""/>
+          <p:cNvPr id="85" name="" descr=""/>
           <p:cNvPicPr/>
           <p:nvPr/>
         </p:nvPicPr>
@@ -2749,7 +4789,7 @@
         <p:spPr>
           <a:xfrm>
             <a:off x="343080" y="2743200"/>
-            <a:ext cx="5600520" cy="1809360"/>
+            <a:ext cx="5600160" cy="1809000"/>
           </a:xfrm>
           <a:prstGeom prst="rect">
             <a:avLst/>
@@ -2761,7 +4801,7 @@
       </p:pic>
       <p:pic>
         <p:nvPicPr>
-          <p:cNvPr id="51" name="" descr=""/>
+          <p:cNvPr id="86" name="" descr=""/>
           <p:cNvPicPr/>
           <p:nvPr/>
         </p:nvPicPr>
@@ -2772,7 +4812,7 @@
         <p:spPr>
           <a:xfrm>
             <a:off x="6400800" y="1772280"/>
-            <a:ext cx="3052440" cy="2799720"/>
+            <a:ext cx="3052080" cy="2799360"/>
           </a:xfrm>
           <a:prstGeom prst="rect">
             <a:avLst/>
@@ -2814,14 +4854,14 @@
       </p:grpSpPr>
       <p:sp>
         <p:nvSpPr>
-          <p:cNvPr id="52" name="TextShape 1"/>
-          <p:cNvSpPr txBox="1"/>
+          <p:cNvPr id="87" name="CustomShape 1"/>
+          <p:cNvSpPr/>
           <p:nvPr/>
         </p:nvSpPr>
         <p:spPr>
           <a:xfrm>
             <a:off x="6654960" y="2253960"/>
-            <a:ext cx="2946240" cy="946440"/>
+            <a:ext cx="2945880" cy="946080"/>
           </a:xfrm>
           <a:prstGeom prst="rect">
             <a:avLst/>
@@ -2831,12 +4871,22 @@
             <a:noFill/>
           </a:ln>
         </p:spPr>
+        <p:style>
+          <a:lnRef idx="0"/>
+          <a:fillRef idx="0"/>
+          <a:effectRef idx="0"/>
+          <a:fontRef idx="minor"/>
+        </p:style>
         <p:txBody>
           <a:bodyPr lIns="0" rIns="0" tIns="0" bIns="0" anchor="ctr">
             <a:noAutofit/>
           </a:bodyPr>
           <a:p>
-            <a:pPr algn="ctr"/>
+            <a:pPr algn="ctr">
+              <a:lnSpc>
+                <a:spcPct val="100000"/>
+              </a:lnSpc>
+            </a:pPr>
             <a:r>
               <a:rPr b="0" lang="en-ID" sz="2800" spc="-1" strike="noStrike">
                 <a:latin typeface="Arial"/>
@@ -2851,7 +4901,7 @@
       </p:sp>
       <p:pic>
         <p:nvPicPr>
-          <p:cNvPr id="53" name="" descr=""/>
+          <p:cNvPr id="88" name="" descr=""/>
           <p:cNvPicPr/>
           <p:nvPr/>
         </p:nvPicPr>
@@ -2862,7 +4912,7 @@
         <p:spPr>
           <a:xfrm>
             <a:off x="531720" y="228600"/>
-            <a:ext cx="5816520" cy="5212800"/>
+            <a:ext cx="5816160" cy="5212440"/>
           </a:xfrm>
           <a:prstGeom prst="rect">
             <a:avLst/>
@@ -2904,7 +4954,7 @@
       </p:grpSpPr>
       <p:pic>
         <p:nvPicPr>
-          <p:cNvPr id="54" name="" descr=""/>
+          <p:cNvPr id="89" name="" descr=""/>
           <p:cNvPicPr/>
           <p:nvPr/>
         </p:nvPicPr>
@@ -2915,7 +4965,7 @@
         <p:spPr>
           <a:xfrm>
             <a:off x="457200" y="228600"/>
-            <a:ext cx="9236880" cy="5029200"/>
+            <a:ext cx="9236520" cy="5028840"/>
           </a:xfrm>
           <a:prstGeom prst="rect">
             <a:avLst/>
@@ -2927,14 +4977,14 @@
       </p:pic>
       <p:sp>
         <p:nvSpPr>
-          <p:cNvPr id="55" name="TextShape 1"/>
-          <p:cNvSpPr txBox="1"/>
+          <p:cNvPr id="90" name="CustomShape 1"/>
+          <p:cNvSpPr/>
           <p:nvPr/>
         </p:nvSpPr>
         <p:spPr>
           <a:xfrm>
             <a:off x="7315200" y="3429000"/>
-            <a:ext cx="2467440" cy="1024200"/>
+            <a:ext cx="2467080" cy="1023840"/>
           </a:xfrm>
           <a:prstGeom prst="rect">
             <a:avLst/>
@@ -2944,12 +4994,22 @@
             <a:noFill/>
           </a:ln>
         </p:spPr>
+        <p:style>
+          <a:lnRef idx="0"/>
+          <a:fillRef idx="0"/>
+          <a:effectRef idx="0"/>
+          <a:fontRef idx="minor"/>
+        </p:style>
         <p:txBody>
           <a:bodyPr lIns="0" rIns="0" tIns="0" bIns="0" anchor="ctr">
             <a:noAutofit/>
           </a:bodyPr>
           <a:p>
-            <a:pPr algn="ctr"/>
+            <a:pPr algn="ctr">
+              <a:lnSpc>
+                <a:spcPct val="100000"/>
+              </a:lnSpc>
+            </a:pPr>
             <a:r>
               <a:rPr b="0" lang="en-ID" sz="3600" spc="-1" strike="noStrike">
                 <a:latin typeface="Arial"/>
@@ -2994,14 +5054,14 @@
       </p:grpSpPr>
       <p:sp>
         <p:nvSpPr>
-          <p:cNvPr id="56" name="TextShape 1"/>
-          <p:cNvSpPr txBox="1"/>
+          <p:cNvPr id="91" name="CustomShape 1"/>
+          <p:cNvSpPr/>
           <p:nvPr/>
         </p:nvSpPr>
         <p:spPr>
           <a:xfrm>
             <a:off x="504000" y="226080"/>
-            <a:ext cx="9071640" cy="946440"/>
+            <a:ext cx="9071280" cy="946080"/>
           </a:xfrm>
           <a:prstGeom prst="rect">
             <a:avLst/>
@@ -3011,12 +5071,22 @@
             <a:noFill/>
           </a:ln>
         </p:spPr>
+        <p:style>
+          <a:lnRef idx="0"/>
+          <a:fillRef idx="0"/>
+          <a:effectRef idx="0"/>
+          <a:fontRef idx="minor"/>
+        </p:style>
         <p:txBody>
           <a:bodyPr lIns="0" rIns="0" tIns="0" bIns="0" anchor="ctr">
             <a:noAutofit/>
           </a:bodyPr>
           <a:p>
-            <a:pPr algn="ctr"/>
+            <a:pPr algn="ctr">
+              <a:lnSpc>
+                <a:spcPct val="100000"/>
+              </a:lnSpc>
+            </a:pPr>
             <a:r>
               <a:rPr b="0" lang="en-ID" sz="4400" spc="-1" strike="noStrike">
                 <a:latin typeface="Arial"/>
@@ -3031,14 +5101,14 @@
       </p:sp>
       <p:sp>
         <p:nvSpPr>
-          <p:cNvPr id="57" name="TextShape 2"/>
-          <p:cNvSpPr txBox="1"/>
+          <p:cNvPr id="92" name="CustomShape 2"/>
+          <p:cNvSpPr/>
           <p:nvPr/>
         </p:nvSpPr>
         <p:spPr>
           <a:xfrm>
             <a:off x="504000" y="1326600"/>
-            <a:ext cx="9071640" cy="3288240"/>
+            <a:ext cx="9071280" cy="3287880"/>
           </a:xfrm>
           <a:prstGeom prst="rect">
             <a:avLst/>
@@ -3048,26 +5118,22 @@
             <a:noFill/>
           </a:ln>
         </p:spPr>
-        <p:txBody>
-          <a:bodyPr lIns="0" rIns="0" tIns="0" bIns="0">
-            <a:normAutofit/>
-          </a:bodyPr>
-          <a:p>
-            <a:endParaRPr b="0" lang="en-ID" sz="3200" spc="-1" strike="noStrike">
-              <a:latin typeface="Arial"/>
-            </a:endParaRPr>
-          </a:p>
-        </p:txBody>
+        <p:style>
+          <a:lnRef idx="0"/>
+          <a:fillRef idx="0"/>
+          <a:effectRef idx="0"/>
+          <a:fontRef idx="minor"/>
+        </p:style>
       </p:sp>
       <p:graphicFrame>
         <p:nvGraphicFramePr>
-          <p:cNvPr id="58" name="Table 3"/>
+          <p:cNvPr id="93" name="Table 3"/>
           <p:cNvGraphicFramePr/>
           <p:nvPr/>
         </p:nvGraphicFramePr>
         <p:xfrm>
           <a:off x="504360" y="1326960"/>
-          <a:ext cx="9096840" cy="3498840"/>
+          <a:ext cx="9096840" cy="3459240"/>
         </p:xfrm>
         <a:graphic>
           <a:graphicData uri="http://schemas.openxmlformats.org/drawingml/2006/table">
@@ -3079,13 +5145,18 @@
                 <a:gridCol w="2593800"/>
                 <a:gridCol w="2274840"/>
               </a:tblGrid>
-              <a:tr h="342720">
+              <a:tr h="347760">
                 <a:tc>
                   <a:txBody>
-                    <a:bodyPr lIns="90000" rIns="90000" tIns="46800" bIns="46800">
+                    <a:bodyPr lIns="90000" rIns="90000">
                       <a:noAutofit/>
                     </a:bodyPr>
                     <a:p>
+                      <a:pPr>
+                        <a:lnSpc>
+                          <a:spcPct val="100000"/>
+                        </a:lnSpc>
+                      </a:pPr>
                       <a:r>
                         <a:rPr b="0" lang="en-ID" sz="1800" spc="-1" strike="noStrike">
                           <a:latin typeface="Arial"/>
@@ -3125,10 +5196,15 @@
                 </a:tc>
                 <a:tc>
                   <a:txBody>
-                    <a:bodyPr lIns="90000" rIns="90000" tIns="46800" bIns="46800">
+                    <a:bodyPr lIns="90000" rIns="90000">
                       <a:noAutofit/>
                     </a:bodyPr>
                     <a:p>
+                      <a:pPr>
+                        <a:lnSpc>
+                          <a:spcPct val="100000"/>
+                        </a:lnSpc>
+                      </a:pPr>
                       <a:r>
                         <a:rPr b="0" lang="en-ID" sz="1800" spc="-1" strike="noStrike">
                           <a:latin typeface="Arial"/>
@@ -3168,10 +5244,15 @@
                 </a:tc>
                 <a:tc>
                   <a:txBody>
-                    <a:bodyPr lIns="90000" rIns="90000" tIns="46800" bIns="46800">
+                    <a:bodyPr lIns="90000" rIns="90000">
                       <a:noAutofit/>
                     </a:bodyPr>
                     <a:p>
+                      <a:pPr>
+                        <a:lnSpc>
+                          <a:spcPct val="100000"/>
+                        </a:lnSpc>
+                      </a:pPr>
                       <a:r>
                         <a:rPr b="0" lang="en-ID" sz="1800" spc="-1" strike="noStrike">
                           <a:latin typeface="Arial"/>
@@ -3211,10 +5292,15 @@
                 </a:tc>
                 <a:tc>
                   <a:txBody>
-                    <a:bodyPr lIns="90000" rIns="90000" tIns="46800" bIns="46800">
+                    <a:bodyPr lIns="90000" rIns="90000">
                       <a:noAutofit/>
                     </a:bodyPr>
                     <a:p>
+                      <a:pPr>
+                        <a:lnSpc>
+                          <a:spcPct val="100000"/>
+                        </a:lnSpc>
+                      </a:pPr>
                       <a:r>
                         <a:rPr b="0" lang="en-ID" sz="1800" spc="-1" strike="noStrike">
                           <a:latin typeface="Arial"/>
@@ -3253,13 +5339,18 @@
                   </a:tcPr>
                 </a:tc>
               </a:tr>
-              <a:tr h="346320">
+              <a:tr h="347760">
                 <a:tc>
                   <a:txBody>
-                    <a:bodyPr lIns="90000" rIns="90000" tIns="46800" bIns="46800">
+                    <a:bodyPr lIns="90000" rIns="90000">
                       <a:noAutofit/>
                     </a:bodyPr>
                     <a:p>
+                      <a:pPr>
+                        <a:lnSpc>
+                          <a:spcPct val="100000"/>
+                        </a:lnSpc>
+                      </a:pPr>
                       <a:r>
                         <a:rPr b="0" lang="en-ID" sz="1800" spc="-1" strike="noStrike">
                           <a:latin typeface="Arial"/>
@@ -3299,10 +5390,15 @@
                 </a:tc>
                 <a:tc>
                   <a:txBody>
-                    <a:bodyPr lIns="90000" rIns="90000" tIns="46800" bIns="46800">
+                    <a:bodyPr lIns="90000" rIns="90000">
                       <a:noAutofit/>
                     </a:bodyPr>
                     <a:p>
+                      <a:pPr>
+                        <a:lnSpc>
+                          <a:spcPct val="100000"/>
+                        </a:lnSpc>
+                      </a:pPr>
                       <a:r>
                         <a:rPr b="0" lang="en-ID" sz="1800" spc="-1" strike="noStrike">
                           <a:latin typeface="Arial"/>
@@ -3342,10 +5438,15 @@
                 </a:tc>
                 <a:tc>
                   <a:txBody>
-                    <a:bodyPr lIns="90000" rIns="90000" tIns="46800" bIns="46800">
+                    <a:bodyPr lIns="90000" rIns="90000">
                       <a:noAutofit/>
                     </a:bodyPr>
                     <a:p>
+                      <a:pPr>
+                        <a:lnSpc>
+                          <a:spcPct val="100000"/>
+                        </a:lnSpc>
+                      </a:pPr>
                       <a:r>
                         <a:rPr b="0" lang="en-ID" sz="1800" spc="-1" strike="noStrike">
                           <a:latin typeface="Arial"/>
@@ -3385,10 +5486,15 @@
                 </a:tc>
                 <a:tc>
                   <a:txBody>
-                    <a:bodyPr lIns="90000" rIns="90000" tIns="46800" bIns="46800">
+                    <a:bodyPr lIns="90000" rIns="90000">
                       <a:noAutofit/>
                     </a:bodyPr>
                     <a:p>
+                      <a:pPr>
+                        <a:lnSpc>
+                          <a:spcPct val="100000"/>
+                        </a:lnSpc>
+                      </a:pPr>
                       <a:r>
                         <a:rPr b="0" lang="en-ID" sz="1800" spc="-1" strike="noStrike">
                           <a:latin typeface="Arial"/>
@@ -3427,13 +5533,18 @@
                   </a:tcPr>
                 </a:tc>
               </a:tr>
-              <a:tr h="346320">
+              <a:tr h="347760">
                 <a:tc>
                   <a:txBody>
-                    <a:bodyPr lIns="90000" rIns="90000" tIns="46800" bIns="46800">
+                    <a:bodyPr lIns="90000" rIns="90000">
                       <a:noAutofit/>
                     </a:bodyPr>
                     <a:p>
+                      <a:pPr>
+                        <a:lnSpc>
+                          <a:spcPct val="100000"/>
+                        </a:lnSpc>
+                      </a:pPr>
                       <a:r>
                         <a:rPr b="0" lang="en-ID" sz="1800" spc="-1" strike="noStrike">
                           <a:latin typeface="Arial"/>
@@ -3473,10 +5584,15 @@
                 </a:tc>
                 <a:tc>
                   <a:txBody>
-                    <a:bodyPr lIns="90000" rIns="90000" tIns="46800" bIns="46800">
+                    <a:bodyPr lIns="90000" rIns="90000">
                       <a:noAutofit/>
                     </a:bodyPr>
                     <a:p>
+                      <a:pPr>
+                        <a:lnSpc>
+                          <a:spcPct val="100000"/>
+                        </a:lnSpc>
+                      </a:pPr>
                       <a:r>
                         <a:rPr b="0" lang="en-ID" sz="1800" spc="-1" strike="noStrike">
                           <a:latin typeface="Arial"/>
@@ -3516,10 +5632,15 @@
                 </a:tc>
                 <a:tc>
                   <a:txBody>
-                    <a:bodyPr lIns="90000" rIns="90000" tIns="46800" bIns="46800">
+                    <a:bodyPr lIns="90000" rIns="90000">
                       <a:noAutofit/>
                     </a:bodyPr>
                     <a:p>
+                      <a:pPr>
+                        <a:lnSpc>
+                          <a:spcPct val="100000"/>
+                        </a:lnSpc>
+                      </a:pPr>
                       <a:r>
                         <a:rPr b="0" lang="en-ID" sz="1800" spc="-1" strike="noStrike">
                           <a:latin typeface="Arial"/>
@@ -3559,10 +5680,15 @@
                 </a:tc>
                 <a:tc>
                   <a:txBody>
-                    <a:bodyPr lIns="90000" rIns="90000" tIns="46800" bIns="46800">
+                    <a:bodyPr lIns="90000" rIns="90000">
                       <a:noAutofit/>
                     </a:bodyPr>
                     <a:p>
+                      <a:pPr>
+                        <a:lnSpc>
+                          <a:spcPct val="100000"/>
+                        </a:lnSpc>
+                      </a:pPr>
                       <a:r>
                         <a:rPr b="0" lang="en-ID" sz="1800" spc="-1" strike="noStrike">
                           <a:latin typeface="Arial"/>
@@ -3601,13 +5727,18 @@
                   </a:tcPr>
                 </a:tc>
               </a:tr>
-              <a:tr h="346320">
+              <a:tr h="347760">
                 <a:tc>
                   <a:txBody>
-                    <a:bodyPr lIns="90000" rIns="90000" tIns="46800" bIns="46800">
+                    <a:bodyPr lIns="90000" rIns="90000">
                       <a:noAutofit/>
                     </a:bodyPr>
                     <a:p>
+                      <a:pPr>
+                        <a:lnSpc>
+                          <a:spcPct val="100000"/>
+                        </a:lnSpc>
+                      </a:pPr>
                       <a:r>
                         <a:rPr b="0" lang="en-ID" sz="1800" spc="-1" strike="noStrike">
                           <a:latin typeface="Arial"/>
@@ -3647,10 +5778,15 @@
                 </a:tc>
                 <a:tc>
                   <a:txBody>
-                    <a:bodyPr lIns="90000" rIns="90000" tIns="46800" bIns="46800">
+                    <a:bodyPr lIns="90000" rIns="90000">
                       <a:noAutofit/>
                     </a:bodyPr>
                     <a:p>
+                      <a:pPr>
+                        <a:lnSpc>
+                          <a:spcPct val="100000"/>
+                        </a:lnSpc>
+                      </a:pPr>
                       <a:r>
                         <a:rPr b="0" lang="en-ID" sz="1800" spc="-1" strike="noStrike">
                           <a:latin typeface="Arial"/>
@@ -3690,10 +5826,15 @@
                 </a:tc>
                 <a:tc>
                   <a:txBody>
-                    <a:bodyPr lIns="90000" rIns="90000" tIns="46800" bIns="46800">
+                    <a:bodyPr lIns="90000" rIns="90000">
                       <a:noAutofit/>
                     </a:bodyPr>
                     <a:p>
+                      <a:pPr>
+                        <a:lnSpc>
+                          <a:spcPct val="100000"/>
+                        </a:lnSpc>
+                      </a:pPr>
                       <a:r>
                         <a:rPr b="0" lang="en-ID" sz="1800" spc="-1" strike="noStrike">
                           <a:latin typeface="Arial"/>
@@ -3733,10 +5874,15 @@
                 </a:tc>
                 <a:tc>
                   <a:txBody>
-                    <a:bodyPr lIns="90000" rIns="90000" tIns="46800" bIns="46800">
+                    <a:bodyPr lIns="90000" rIns="90000">
                       <a:noAutofit/>
                     </a:bodyPr>
                     <a:p>
+                      <a:pPr>
+                        <a:lnSpc>
+                          <a:spcPct val="100000"/>
+                        </a:lnSpc>
+                      </a:pPr>
                       <a:r>
                         <a:rPr b="0" lang="en-ID" sz="1800" spc="-1" strike="noStrike">
                           <a:latin typeface="Arial"/>
@@ -3775,13 +5921,18 @@
                   </a:tcPr>
                 </a:tc>
               </a:tr>
-              <a:tr h="346320">
+              <a:tr h="347760">
                 <a:tc>
                   <a:txBody>
-                    <a:bodyPr lIns="90000" rIns="90000" tIns="46800" bIns="46800">
+                    <a:bodyPr lIns="90000" rIns="90000">
                       <a:noAutofit/>
                     </a:bodyPr>
                     <a:p>
+                      <a:pPr>
+                        <a:lnSpc>
+                          <a:spcPct val="100000"/>
+                        </a:lnSpc>
+                      </a:pPr>
                       <a:r>
                         <a:rPr b="0" lang="en-ID" sz="1800" spc="-1" strike="noStrike">
                           <a:latin typeface="Arial"/>
@@ -3821,10 +5972,15 @@
                 </a:tc>
                 <a:tc>
                   <a:txBody>
-                    <a:bodyPr lIns="90000" rIns="90000" tIns="46800" bIns="46800">
+                    <a:bodyPr lIns="90000" rIns="90000">
                       <a:noAutofit/>
                     </a:bodyPr>
                     <a:p>
+                      <a:pPr>
+                        <a:lnSpc>
+                          <a:spcPct val="100000"/>
+                        </a:lnSpc>
+                      </a:pPr>
                       <a:r>
                         <a:rPr b="0" lang="en-ID" sz="1800" spc="-1" strike="noStrike">
                           <a:latin typeface="Arial"/>
@@ -3864,10 +6020,15 @@
                 </a:tc>
                 <a:tc>
                   <a:txBody>
-                    <a:bodyPr lIns="90000" rIns="90000" tIns="46800" bIns="46800">
+                    <a:bodyPr lIns="90000" rIns="90000">
                       <a:noAutofit/>
                     </a:bodyPr>
                     <a:p>
+                      <a:pPr>
+                        <a:lnSpc>
+                          <a:spcPct val="100000"/>
+                        </a:lnSpc>
+                      </a:pPr>
                       <a:r>
                         <a:rPr b="0" lang="en-ID" sz="1800" spc="-1" strike="noStrike">
                           <a:latin typeface="Arial"/>
@@ -3933,13 +6094,18 @@
                   </a:tcPr>
                 </a:tc>
               </a:tr>
-              <a:tr h="346320">
+              <a:tr h="347760">
                 <a:tc>
                   <a:txBody>
-                    <a:bodyPr lIns="90000" rIns="90000" tIns="46800" bIns="46800">
+                    <a:bodyPr lIns="90000" rIns="90000">
                       <a:noAutofit/>
                     </a:bodyPr>
                     <a:p>
+                      <a:pPr>
+                        <a:lnSpc>
+                          <a:spcPct val="100000"/>
+                        </a:lnSpc>
+                      </a:pPr>
                       <a:r>
                         <a:rPr b="0" lang="en-ID" sz="1800" spc="-1" strike="noStrike">
                           <a:latin typeface="Arial"/>
@@ -3979,10 +6145,15 @@
                 </a:tc>
                 <a:tc>
                   <a:txBody>
-                    <a:bodyPr lIns="90000" rIns="90000" tIns="46800" bIns="46800">
+                    <a:bodyPr lIns="90000" rIns="90000">
                       <a:noAutofit/>
                     </a:bodyPr>
                     <a:p>
+                      <a:pPr>
+                        <a:lnSpc>
+                          <a:spcPct val="100000"/>
+                        </a:lnSpc>
+                      </a:pPr>
                       <a:r>
                         <a:rPr b="0" lang="en-ID" sz="1800" spc="-1" strike="noStrike">
                           <a:latin typeface="Arial"/>
@@ -4022,10 +6193,15 @@
                 </a:tc>
                 <a:tc>
                   <a:txBody>
-                    <a:bodyPr lIns="90000" rIns="90000" tIns="46800" bIns="46800">
+                    <a:bodyPr lIns="90000" rIns="90000">
                       <a:noAutofit/>
                     </a:bodyPr>
                     <a:p>
+                      <a:pPr>
+                        <a:lnSpc>
+                          <a:spcPct val="100000"/>
+                        </a:lnSpc>
+                      </a:pPr>
                       <a:r>
                         <a:rPr b="0" lang="en-ID" sz="1800" spc="-1" strike="noStrike">
                           <a:latin typeface="Arial"/>
@@ -4065,10 +6241,15 @@
                 </a:tc>
                 <a:tc>
                   <a:txBody>
-                    <a:bodyPr lIns="90000" rIns="90000" tIns="46800" bIns="46800">
+                    <a:bodyPr lIns="90000" rIns="90000">
                       <a:noAutofit/>
                     </a:bodyPr>
                     <a:p>
+                      <a:pPr>
+                        <a:lnSpc>
+                          <a:spcPct val="100000"/>
+                        </a:lnSpc>
+                      </a:pPr>
                       <a:r>
                         <a:rPr b="0" lang="en-ID" sz="1800" spc="-1" strike="noStrike">
                           <a:latin typeface="Arial"/>
@@ -4107,13 +6288,18 @@
                   </a:tcPr>
                 </a:tc>
               </a:tr>
-              <a:tr h="346320">
+              <a:tr h="347760">
                 <a:tc>
                   <a:txBody>
-                    <a:bodyPr lIns="90000" rIns="90000" tIns="46800" bIns="46800">
+                    <a:bodyPr lIns="90000" rIns="90000">
                       <a:noAutofit/>
                     </a:bodyPr>
                     <a:p>
+                      <a:pPr>
+                        <a:lnSpc>
+                          <a:spcPct val="100000"/>
+                        </a:lnSpc>
+                      </a:pPr>
                       <a:r>
                         <a:rPr b="0" lang="en-ID" sz="1800" spc="-1" strike="noStrike">
                           <a:latin typeface="Arial"/>
@@ -4153,10 +6339,15 @@
                 </a:tc>
                 <a:tc>
                   <a:txBody>
-                    <a:bodyPr lIns="90000" rIns="90000" tIns="46800" bIns="46800">
+                    <a:bodyPr lIns="90000" rIns="90000">
                       <a:noAutofit/>
                     </a:bodyPr>
                     <a:p>
+                      <a:pPr>
+                        <a:lnSpc>
+                          <a:spcPct val="100000"/>
+                        </a:lnSpc>
+                      </a:pPr>
                       <a:r>
                         <a:rPr b="0" lang="en-ID" sz="1800" spc="-1" strike="noStrike">
                           <a:latin typeface="Arial"/>
@@ -4196,10 +6387,15 @@
                 </a:tc>
                 <a:tc>
                   <a:txBody>
-                    <a:bodyPr lIns="90000" rIns="90000" tIns="46800" bIns="46800">
+                    <a:bodyPr lIns="90000" rIns="90000">
                       <a:noAutofit/>
                     </a:bodyPr>
                     <a:p>
+                      <a:pPr>
+                        <a:lnSpc>
+                          <a:spcPct val="100000"/>
+                        </a:lnSpc>
+                      </a:pPr>
                       <a:r>
                         <a:rPr b="0" lang="en-ID" sz="1800" spc="-1" strike="noStrike">
                           <a:latin typeface="Arial"/>
@@ -4239,10 +6435,15 @@
                 </a:tc>
                 <a:tc>
                   <a:txBody>
-                    <a:bodyPr lIns="90000" rIns="90000" tIns="46800" bIns="46800">
+                    <a:bodyPr lIns="90000" rIns="90000">
                       <a:noAutofit/>
                     </a:bodyPr>
                     <a:p>
+                      <a:pPr>
+                        <a:lnSpc>
+                          <a:spcPct val="100000"/>
+                        </a:lnSpc>
+                      </a:pPr>
                       <a:r>
                         <a:rPr b="0" lang="en-ID" sz="1800" spc="-1" strike="noStrike">
                           <a:latin typeface="Arial"/>
@@ -4281,13 +6482,18 @@
                   </a:tcPr>
                 </a:tc>
               </a:tr>
-              <a:tr h="346320">
+              <a:tr h="347760">
                 <a:tc>
                   <a:txBody>
-                    <a:bodyPr lIns="90000" rIns="90000" tIns="46800" bIns="46800">
+                    <a:bodyPr lIns="90000" rIns="90000">
                       <a:noAutofit/>
                     </a:bodyPr>
                     <a:p>
+                      <a:pPr>
+                        <a:lnSpc>
+                          <a:spcPct val="100000"/>
+                        </a:lnSpc>
+                      </a:pPr>
                       <a:r>
                         <a:rPr b="0" lang="en-ID" sz="1800" spc="-1" strike="noStrike">
                           <a:latin typeface="Arial"/>
@@ -4327,10 +6533,15 @@
                 </a:tc>
                 <a:tc>
                   <a:txBody>
-                    <a:bodyPr lIns="90000" rIns="90000" tIns="46800" bIns="46800">
+                    <a:bodyPr lIns="90000" rIns="90000">
                       <a:noAutofit/>
                     </a:bodyPr>
                     <a:p>
+                      <a:pPr>
+                        <a:lnSpc>
+                          <a:spcPct val="100000"/>
+                        </a:lnSpc>
+                      </a:pPr>
                       <a:r>
                         <a:rPr b="0" lang="en-ID" sz="1800" spc="-1" strike="noStrike">
                           <a:latin typeface="Arial"/>
@@ -4370,10 +6581,15 @@
                 </a:tc>
                 <a:tc>
                   <a:txBody>
-                    <a:bodyPr lIns="90000" rIns="90000" tIns="46800" bIns="46800">
+                    <a:bodyPr lIns="90000" rIns="90000">
                       <a:noAutofit/>
                     </a:bodyPr>
                     <a:p>
+                      <a:pPr>
+                        <a:lnSpc>
+                          <a:spcPct val="100000"/>
+                        </a:lnSpc>
+                      </a:pPr>
                       <a:r>
                         <a:rPr b="0" lang="en-ID" sz="1800" spc="-1" strike="noStrike">
                           <a:latin typeface="Arial"/>
@@ -4413,10 +6629,15 @@
                 </a:tc>
                 <a:tc>
                   <a:txBody>
-                    <a:bodyPr lIns="90000" rIns="90000" tIns="46800" bIns="46800">
+                    <a:bodyPr lIns="90000" rIns="90000">
                       <a:noAutofit/>
                     </a:bodyPr>
                     <a:p>
+                      <a:pPr>
+                        <a:lnSpc>
+                          <a:spcPct val="100000"/>
+                        </a:lnSpc>
+                      </a:pPr>
                       <a:r>
                         <a:rPr b="0" lang="en-ID" sz="1800" spc="-1" strike="noStrike">
                           <a:latin typeface="Arial"/>
@@ -4455,7 +6676,7 @@
                   </a:tcPr>
                 </a:tc>
               </a:tr>
-              <a:tr h="346320">
+              <a:tr h="347760">
                 <a:tc>
                   <a:tcPr marL="90000" marR="90000">
                     <a:lnL w="720">
@@ -4565,7 +6786,7 @@
                   </a:tcPr>
                 </a:tc>
               </a:tr>
-              <a:tr h="346320">
+              <a:tr h="347760">
                 <a:tc>
                   <a:tcPr marL="90000" marR="90000">
                     <a:lnL w="720">
@@ -4711,14 +6932,14 @@
       </p:grpSpPr>
       <p:sp>
         <p:nvSpPr>
-          <p:cNvPr id="59" name="TextShape 1"/>
-          <p:cNvSpPr txBox="1"/>
+          <p:cNvPr id="94" name="CustomShape 1"/>
+          <p:cNvSpPr/>
           <p:nvPr/>
         </p:nvSpPr>
         <p:spPr>
           <a:xfrm>
             <a:off x="504000" y="226080"/>
-            <a:ext cx="9071640" cy="946440"/>
+            <a:ext cx="9071280" cy="946080"/>
           </a:xfrm>
           <a:prstGeom prst="rect">
             <a:avLst/>
@@ -4728,12 +6949,22 @@
             <a:noFill/>
           </a:ln>
         </p:spPr>
+        <p:style>
+          <a:lnRef idx="0"/>
+          <a:fillRef idx="0"/>
+          <a:effectRef idx="0"/>
+          <a:fontRef idx="minor"/>
+        </p:style>
         <p:txBody>
           <a:bodyPr lIns="0" rIns="0" tIns="0" bIns="0" anchor="ctr">
             <a:noAutofit/>
           </a:bodyPr>
           <a:p>
-            <a:pPr algn="ctr"/>
+            <a:pPr algn="ctr">
+              <a:lnSpc>
+                <a:spcPct val="100000"/>
+              </a:lnSpc>
+            </a:pPr>
             <a:r>
               <a:rPr b="0" lang="en-ID" sz="4400" spc="-1" strike="noStrike">
                 <a:latin typeface="Arial"/>
@@ -4748,7 +6979,7 @@
       </p:sp>
       <p:pic>
         <p:nvPicPr>
-          <p:cNvPr id="60" name="" descr=""/>
+          <p:cNvPr id="95" name="" descr=""/>
           <p:cNvPicPr/>
           <p:nvPr/>
         </p:nvPicPr>
@@ -4759,7 +6990,7 @@
         <p:spPr>
           <a:xfrm>
             <a:off x="2971800" y="1371600"/>
-            <a:ext cx="3790440" cy="628200"/>
+            <a:ext cx="3790080" cy="627840"/>
           </a:xfrm>
           <a:prstGeom prst="rect">
             <a:avLst/>
@@ -4771,7 +7002,7 @@
       </p:pic>
       <p:pic>
         <p:nvPicPr>
-          <p:cNvPr id="61" name="" descr=""/>
+          <p:cNvPr id="96" name="" descr=""/>
           <p:cNvPicPr/>
           <p:nvPr/>
         </p:nvPicPr>
@@ -4782,7 +7013,7 @@
         <p:spPr>
           <a:xfrm>
             <a:off x="457200" y="2705400"/>
-            <a:ext cx="4105080" cy="1409400"/>
+            <a:ext cx="4104720" cy="1409040"/>
           </a:xfrm>
           <a:prstGeom prst="rect">
             <a:avLst/>
@@ -4794,7 +7025,7 @@
       </p:pic>
       <p:pic>
         <p:nvPicPr>
-          <p:cNvPr id="62" name="" descr=""/>
+          <p:cNvPr id="97" name="" descr=""/>
           <p:cNvPicPr/>
           <p:nvPr/>
         </p:nvPicPr>
@@ -4805,7 +7036,7 @@
         <p:spPr>
           <a:xfrm>
             <a:off x="5486400" y="2572200"/>
-            <a:ext cx="3722040" cy="1542600"/>
+            <a:ext cx="3721680" cy="1542240"/>
           </a:xfrm>
           <a:prstGeom prst="rect">
             <a:avLst/>
@@ -4847,14 +7078,14 @@
       </p:grpSpPr>
       <p:sp>
         <p:nvSpPr>
-          <p:cNvPr id="63" name="TextShape 1"/>
-          <p:cNvSpPr txBox="1"/>
+          <p:cNvPr id="98" name="CustomShape 1"/>
+          <p:cNvSpPr/>
           <p:nvPr/>
         </p:nvSpPr>
         <p:spPr>
           <a:xfrm>
             <a:off x="504000" y="226080"/>
-            <a:ext cx="9071640" cy="946440"/>
+            <a:ext cx="9071280" cy="946080"/>
           </a:xfrm>
           <a:prstGeom prst="rect">
             <a:avLst/>
@@ -4864,12 +7095,22 @@
             <a:noFill/>
           </a:ln>
         </p:spPr>
+        <p:style>
+          <a:lnRef idx="0"/>
+          <a:fillRef idx="0"/>
+          <a:effectRef idx="0"/>
+          <a:fontRef idx="minor"/>
+        </p:style>
         <p:txBody>
           <a:bodyPr lIns="0" rIns="0" tIns="0" bIns="0" anchor="ctr">
             <a:noAutofit/>
           </a:bodyPr>
           <a:p>
-            <a:pPr algn="ctr"/>
+            <a:pPr algn="ctr">
+              <a:lnSpc>
+                <a:spcPct val="100000"/>
+              </a:lnSpc>
+            </a:pPr>
             <a:r>
               <a:rPr b="0" lang="en-ID" sz="4400" spc="-1" strike="noStrike">
                 <a:latin typeface="Arial"/>
@@ -4884,14 +7125,14 @@
       </p:sp>
       <p:sp>
         <p:nvSpPr>
-          <p:cNvPr id="64" name="TextShape 2"/>
-          <p:cNvSpPr txBox="1"/>
+          <p:cNvPr id="99" name="CustomShape 2"/>
+          <p:cNvSpPr/>
           <p:nvPr/>
         </p:nvSpPr>
         <p:spPr>
           <a:xfrm>
             <a:off x="504000" y="1326600"/>
-            <a:ext cx="9071640" cy="3288240"/>
+            <a:ext cx="9071280" cy="3287880"/>
           </a:xfrm>
           <a:prstGeom prst="rect">
             <a:avLst/>
@@ -4901,12 +7142,21 @@
             <a:noFill/>
           </a:ln>
         </p:spPr>
+        <p:style>
+          <a:lnRef idx="0"/>
+          <a:fillRef idx="0"/>
+          <a:effectRef idx="0"/>
+          <a:fontRef idx="minor"/>
+        </p:style>
         <p:txBody>
           <a:bodyPr lIns="0" rIns="0" tIns="0" bIns="0">
             <a:normAutofit/>
           </a:bodyPr>
           <a:p>
-            <a:pPr marL="432000" indent="-324000">
+            <a:pPr marL="432000" indent="-323640">
+              <a:lnSpc>
+                <a:spcPct val="100000"/>
+              </a:lnSpc>
               <a:spcBef>
                 <a:spcPts val="1417"/>
               </a:spcBef>
@@ -4931,7 +7181,7 @@
       </p:sp>
       <p:pic>
         <p:nvPicPr>
-          <p:cNvPr id="65" name="" descr=""/>
+          <p:cNvPr id="100" name="" descr=""/>
           <p:cNvPicPr/>
           <p:nvPr/>
         </p:nvPicPr>
@@ -4942,7 +7192,7 @@
         <p:spPr>
           <a:xfrm>
             <a:off x="2743200" y="2057400"/>
-            <a:ext cx="4901040" cy="3326400"/>
+            <a:ext cx="4900680" cy="3326040"/>
           </a:xfrm>
           <a:prstGeom prst="rect">
             <a:avLst/>
@@ -5189,4 +7439,230 @@
     </a:fmtScheme>
   </a:themeElements>
 </a:theme>
+</file>
+
+<file path=ppt/theme/theme2.xml><?xml version="1.0" encoding="utf-8"?>
+<a:theme xmlns:a="http://schemas.openxmlformats.org/drawingml/2006/main" name="Office Theme">
+  <a:themeElements>
+    <a:clrScheme name="Office">
+      <a:dk1>
+        <a:sysClr val="windowText" lastClr="000000"/>
+      </a:dk1>
+      <a:lt1>
+        <a:sysClr val="window" lastClr="FFFFFF"/>
+      </a:lt1>
+      <a:dk2>
+        <a:srgbClr val="1f497d"/>
+      </a:dk2>
+      <a:lt2>
+        <a:srgbClr val="eeece1"/>
+      </a:lt2>
+      <a:accent1>
+        <a:srgbClr val="4f81bd"/>
+      </a:accent1>
+      <a:accent2>
+        <a:srgbClr val="c0504d"/>
+      </a:accent2>
+      <a:accent3>
+        <a:srgbClr val="9bbb59"/>
+      </a:accent3>
+      <a:accent4>
+        <a:srgbClr val="8064a2"/>
+      </a:accent4>
+      <a:accent5>
+        <a:srgbClr val="4bacc6"/>
+      </a:accent5>
+      <a:accent6>
+        <a:srgbClr val="f79646"/>
+      </a:accent6>
+      <a:hlink>
+        <a:srgbClr val="0000ff"/>
+      </a:hlink>
+      <a:folHlink>
+        <a:srgbClr val="800080"/>
+      </a:folHlink>
+    </a:clrScheme>
+    <a:fontScheme name="Office">
+      <a:majorFont>
+        <a:latin typeface="Arial"/>
+        <a:ea typeface="DejaVu Sans"/>
+        <a:cs typeface="DejaVu Sans"/>
+      </a:majorFont>
+      <a:minorFont>
+        <a:latin typeface="Arial"/>
+        <a:ea typeface="DejaVu Sans"/>
+        <a:cs typeface="DejaVu Sans"/>
+      </a:minorFont>
+    </a:fontScheme>
+    <a:fmtScheme name="Office">
+      <a:fillStyleLst>
+        <a:solidFill>
+          <a:schemeClr val="phClr"/>
+        </a:solidFill>
+        <a:gradFill rotWithShape="1">
+          <a:gsLst>
+            <a:gs pos="0">
+              <a:schemeClr val="phClr">
+                <a:tint val="50000"/>
+                <a:satMod val="300000"/>
+              </a:schemeClr>
+            </a:gs>
+            <a:gs pos="35000">
+              <a:schemeClr val="phClr">
+                <a:tint val="37000"/>
+                <a:satMod val="300000"/>
+              </a:schemeClr>
+            </a:gs>
+            <a:gs pos="100000">
+              <a:schemeClr val="phClr">
+                <a:tint val="15000"/>
+                <a:satMod val="350000"/>
+              </a:schemeClr>
+            </a:gs>
+          </a:gsLst>
+          <a:lin ang="16200000" scaled="1"/>
+        </a:gradFill>
+        <a:gradFill rotWithShape="1">
+          <a:gsLst>
+            <a:gs pos="0">
+              <a:schemeClr val="phClr">
+                <a:shade val="51000"/>
+                <a:satMod val="130000"/>
+              </a:schemeClr>
+            </a:gs>
+            <a:gs pos="80000">
+              <a:schemeClr val="phClr">
+                <a:shade val="93000"/>
+                <a:satMod val="130000"/>
+              </a:schemeClr>
+            </a:gs>
+            <a:gs pos="100000">
+              <a:schemeClr val="phClr">
+                <a:shade val="94000"/>
+                <a:satMod val="135000"/>
+              </a:schemeClr>
+            </a:gs>
+          </a:gsLst>
+          <a:lin ang="16200000" scaled="0"/>
+        </a:gradFill>
+      </a:fillStyleLst>
+      <a:lnStyleLst>
+        <a:ln w="9525" cap="flat" cmpd="sng" algn="ctr">
+          <a:solidFill>
+            <a:schemeClr val="phClr">
+              <a:shade val="95000"/>
+              <a:satMod val="105000"/>
+            </a:schemeClr>
+          </a:solidFill>
+          <a:prstDash val="solid"/>
+          <a:miter/>
+        </a:ln>
+        <a:ln w="25400" cap="flat" cmpd="sng" algn="ctr">
+          <a:solidFill>
+            <a:schemeClr val="phClr"/>
+          </a:solidFill>
+          <a:prstDash val="solid"/>
+          <a:miter/>
+        </a:ln>
+        <a:ln w="38100" cap="flat" cmpd="sng" algn="ctr">
+          <a:solidFill>
+            <a:schemeClr val="phClr"/>
+          </a:solidFill>
+          <a:prstDash val="solid"/>
+          <a:miter/>
+        </a:ln>
+      </a:lnStyleLst>
+      <a:effectStyleLst>
+        <a:effectStyle>
+          <a:effectLst>
+            <a:outerShdw blurRad="40000" dist="20000" dir="5400000" rotWithShape="0">
+              <a:srgbClr val="000000">
+                <a:alpha val="38000"/>
+              </a:srgbClr>
+            </a:outerShdw>
+          </a:effectLst>
+        </a:effectStyle>
+        <a:effectStyle>
+          <a:effectLst>
+            <a:outerShdw blurRad="40000" dist="23000" dir="5400000" rotWithShape="0">
+              <a:srgbClr val="000000">
+                <a:alpha val="35000"/>
+              </a:srgbClr>
+            </a:outerShdw>
+          </a:effectLst>
+        </a:effectStyle>
+        <a:effectStyle>
+          <a:effectLst>
+            <a:outerShdw blurRad="40000" dist="23000" dir="5400000" rotWithShape="0">
+              <a:srgbClr val="000000">
+                <a:alpha val="35000"/>
+              </a:srgbClr>
+            </a:outerShdw>
+          </a:effectLst>
+          <a:scene3d>
+            <a:camera prst="orthographicFront">
+              <a:rot lat="0" lon="0" rev="0"/>
+            </a:camera>
+            <a:lightRig rig="threePt" dir="t">
+              <a:rot lat="0" lon="0" rev="1200000"/>
+            </a:lightRig>
+          </a:scene3d>
+          <a:sp3d>
+            <a:bevelT w="63500" h="25400"/>
+          </a:sp3d>
+        </a:effectStyle>
+      </a:effectStyleLst>
+      <a:bgFillStyleLst>
+        <a:solidFill>
+          <a:schemeClr val="phClr"/>
+        </a:solidFill>
+        <a:gradFill rotWithShape="1">
+          <a:gsLst>
+            <a:gs pos="0">
+              <a:schemeClr val="phClr">
+                <a:tint val="40000"/>
+                <a:satMod val="350000"/>
+              </a:schemeClr>
+            </a:gs>
+            <a:gs pos="40000">
+              <a:schemeClr val="phClr">
+                <a:tint val="45000"/>
+                <a:shade val="99000"/>
+                <a:satMod val="350000"/>
+              </a:schemeClr>
+            </a:gs>
+            <a:gs pos="100000">
+              <a:schemeClr val="phClr">
+                <a:shade val="20000"/>
+                <a:satMod val="255000"/>
+              </a:schemeClr>
+            </a:gs>
+          </a:gsLst>
+          <a:path path="circle">
+            <a:fillToRect l="50000" t="-80000" r="50000" b="180000"/>
+          </a:path>
+        </a:gradFill>
+        <a:gradFill rotWithShape="1">
+          <a:gsLst>
+            <a:gs pos="0">
+              <a:schemeClr val="phClr">
+                <a:tint val="80000"/>
+                <a:satMod val="300000"/>
+              </a:schemeClr>
+            </a:gs>
+            <a:gs pos="100000">
+              <a:schemeClr val="phClr">
+                <a:shade val="30000"/>
+                <a:satMod val="200000"/>
+              </a:schemeClr>
+            </a:gs>
+          </a:gsLst>
+          <a:path path="circle">
+            <a:fillToRect l="50000" t="50000" r="50000" b="50000"/>
+          </a:path>
+        </a:gradFill>
+      </a:bgFillStyleLst>
+    </a:fmtScheme>
+  </a:themeElements>
+</a:theme>
 </file>